--- a/Creating a serverless cloud native app on Azure.pptx
+++ b/Creating a serverless cloud native app on Azure.pptx
@@ -934,7 +934,7 @@
           <a:p>
             <a:fld id="{974578CF-BAD5-493D-8CBE-FD3D274ABCE7}" type="datetimeFigureOut">
               <a:rPr lang="en-US" smtClean="0"/>
-              <a:t>6/22/2020</a:t>
+              <a:t>10/13/2020</a:t>
             </a:fld>
             <a:endParaRPr lang="en-US"/>
           </a:p>
@@ -1608,7 +1608,28 @@
           <a:bodyPr/>
           <a:lstStyle/>
           <a:p>
-            <a:endParaRPr lang="en-US" dirty="0"/>
+            <a:r>
+              <a:rPr lang="en-US" dirty="0"/>
+              <a:t>React Overview:</a:t>
+            </a:r>
+          </a:p>
+          <a:p>
+            <a:r>
+              <a:rPr lang="en-US" dirty="0"/>
+              <a:t>	Render method is the body return</a:t>
+            </a:r>
+          </a:p>
+          <a:p>
+            <a:r>
+              <a:rPr lang="en-US" dirty="0"/>
+              <a:t>	You have to override all events</a:t>
+            </a:r>
+          </a:p>
+          <a:p>
+            <a:r>
+              <a:rPr lang="en-US" dirty="0"/>
+              <a:t>	There is “state”</a:t>
+            </a:r>
           </a:p>
         </p:txBody>
       </p:sp>
@@ -1629,7 +1650,7 @@
           <a:p>
             <a:fld id="{F61CD7AC-94AE-4C9D-9823-1D165204130C}" type="slidenum">
               <a:rPr lang="en-US" smtClean="0"/>
-              <a:t>34</a:t>
+              <a:t>33</a:t>
             </a:fld>
             <a:endParaRPr lang="en-US"/>
           </a:p>
@@ -1638,7 +1659,7 @@
     </p:spTree>
     <p:extLst>
       <p:ext uri="{BB962C8B-B14F-4D97-AF65-F5344CB8AC3E}">
-        <p14:creationId xmlns:p14="http://schemas.microsoft.com/office/powerpoint/2010/main" val="811774009"/>
+        <p14:creationId xmlns:p14="http://schemas.microsoft.com/office/powerpoint/2010/main" val="741397129"/>
       </p:ext>
     </p:extLst>
   </p:cSld>
@@ -1692,7 +1713,16 @@
           <a:bodyPr/>
           <a:lstStyle/>
           <a:p>
-            <a:endParaRPr lang="en-US" dirty="0"/>
+            <a:r>
+              <a:rPr lang="en-US" dirty="0"/>
+              <a:t>Tip: right click format document</a:t>
+            </a:r>
+          </a:p>
+          <a:p>
+            <a:r>
+              <a:rPr lang="en-US" dirty="0"/>
+              <a:t>Tip: hover quick fix</a:t>
+            </a:r>
           </a:p>
         </p:txBody>
       </p:sp>
@@ -1713,7 +1743,7 @@
           <a:p>
             <a:fld id="{F61CD7AC-94AE-4C9D-9823-1D165204130C}" type="slidenum">
               <a:rPr lang="en-US" smtClean="0"/>
-              <a:t>36</a:t>
+              <a:t>34</a:t>
             </a:fld>
             <a:endParaRPr lang="en-US"/>
           </a:p>
@@ -1797,7 +1827,7 @@
           <a:p>
             <a:fld id="{F61CD7AC-94AE-4C9D-9823-1D165204130C}" type="slidenum">
               <a:rPr lang="en-US" smtClean="0"/>
-              <a:t>38</a:t>
+              <a:t>36</a:t>
             </a:fld>
             <a:endParaRPr lang="en-US"/>
           </a:p>
@@ -1860,21 +1890,6 @@
           <a:bodyPr/>
           <a:lstStyle/>
           <a:p>
-            <a:r>
-              <a:rPr lang="en-US" dirty="0"/>
-              <a:t>Review different react lifecycle steps</a:t>
-            </a:r>
-          </a:p>
-          <a:p>
-            <a:endParaRPr lang="en-US" dirty="0"/>
-          </a:p>
-          <a:p>
-            <a:r>
-              <a:rPr lang="en-US" dirty="0"/>
-              <a:t>Challenging step, review completed solution for clarity if needed</a:t>
-            </a:r>
-          </a:p>
-          <a:p>
             <a:endParaRPr lang="en-US" dirty="0"/>
           </a:p>
         </p:txBody>
@@ -1896,7 +1911,7 @@
           <a:p>
             <a:fld id="{F61CD7AC-94AE-4C9D-9823-1D165204130C}" type="slidenum">
               <a:rPr lang="en-US" smtClean="0"/>
-              <a:t>40</a:t>
+              <a:t>38</a:t>
             </a:fld>
             <a:endParaRPr lang="en-US"/>
           </a:p>
@@ -1961,8 +1976,20 @@
           <a:p>
             <a:r>
               <a:rPr lang="en-US" dirty="0"/>
-              <a:t>Complicated step, refer to solution for reference</a:t>
-            </a:r>
+              <a:t>Review different react lifecycle steps</a:t>
+            </a:r>
+          </a:p>
+          <a:p>
+            <a:endParaRPr lang="en-US" dirty="0"/>
+          </a:p>
+          <a:p>
+            <a:r>
+              <a:rPr lang="en-US" dirty="0"/>
+              <a:t>Challenging step, review completed solution for clarity if needed</a:t>
+            </a:r>
+          </a:p>
+          <a:p>
+            <a:endParaRPr lang="en-US" dirty="0"/>
           </a:p>
         </p:txBody>
       </p:sp>
@@ -1983,7 +2010,7 @@
           <a:p>
             <a:fld id="{F61CD7AC-94AE-4C9D-9823-1D165204130C}" type="slidenum">
               <a:rPr lang="en-US" smtClean="0"/>
-              <a:t>42</a:t>
+              <a:t>40</a:t>
             </a:fld>
             <a:endParaRPr lang="en-US"/>
           </a:p>
@@ -2003,6 +2030,93 @@
 </file>
 
 <file path=ppt/notesSlides/notesSlide18.xml><?xml version="1.0" encoding="utf-8"?>
+<p:notes xmlns:a="http://schemas.openxmlformats.org/drawingml/2006/main" xmlns:r="http://schemas.openxmlformats.org/officeDocument/2006/relationships" xmlns:p="http://schemas.openxmlformats.org/presentationml/2006/main">
+  <p:cSld>
+    <p:spTree>
+      <p:nvGrpSpPr>
+        <p:cNvPr id="1" name=""/>
+        <p:cNvGrpSpPr/>
+        <p:nvPr/>
+      </p:nvGrpSpPr>
+      <p:grpSpPr>
+        <a:xfrm>
+          <a:off x="0" y="0"/>
+          <a:ext cx="0" cy="0"/>
+          <a:chOff x="0" y="0"/>
+          <a:chExt cx="0" cy="0"/>
+        </a:xfrm>
+      </p:grpSpPr>
+      <p:sp>
+        <p:nvSpPr>
+          <p:cNvPr id="2" name="Slide Image Placeholder 1"/>
+          <p:cNvSpPr>
+            <a:spLocks noGrp="1" noRot="1" noChangeAspect="1"/>
+          </p:cNvSpPr>
+          <p:nvPr>
+            <p:ph type="sldImg"/>
+          </p:nvPr>
+        </p:nvSpPr>
+        <p:spPr/>
+      </p:sp>
+      <p:sp>
+        <p:nvSpPr>
+          <p:cNvPr id="3" name="Notes Placeholder 2"/>
+          <p:cNvSpPr>
+            <a:spLocks noGrp="1"/>
+          </p:cNvSpPr>
+          <p:nvPr>
+            <p:ph type="body" idx="1"/>
+          </p:nvPr>
+        </p:nvSpPr>
+        <p:spPr/>
+        <p:txBody>
+          <a:bodyPr/>
+          <a:lstStyle/>
+          <a:p>
+            <a:r>
+              <a:rPr lang="en-US" dirty="0"/>
+              <a:t>Complicated step, refer to solution for reference</a:t>
+            </a:r>
+          </a:p>
+        </p:txBody>
+      </p:sp>
+      <p:sp>
+        <p:nvSpPr>
+          <p:cNvPr id="4" name="Slide Number Placeholder 3"/>
+          <p:cNvSpPr>
+            <a:spLocks noGrp="1"/>
+          </p:cNvSpPr>
+          <p:nvPr>
+            <p:ph type="sldNum" sz="quarter" idx="5"/>
+          </p:nvPr>
+        </p:nvSpPr>
+        <p:spPr/>
+        <p:txBody>
+          <a:bodyPr/>
+          <a:lstStyle/>
+          <a:p>
+            <a:fld id="{F61CD7AC-94AE-4C9D-9823-1D165204130C}" type="slidenum">
+              <a:rPr lang="en-US" smtClean="0"/>
+              <a:t>42</a:t>
+            </a:fld>
+            <a:endParaRPr lang="en-US"/>
+          </a:p>
+        </p:txBody>
+      </p:sp>
+    </p:spTree>
+    <p:extLst>
+      <p:ext uri="{BB962C8B-B14F-4D97-AF65-F5344CB8AC3E}">
+        <p14:creationId xmlns:p14="http://schemas.microsoft.com/office/powerpoint/2010/main" val="811774009"/>
+      </p:ext>
+    </p:extLst>
+  </p:cSld>
+  <p:clrMapOvr>
+    <a:masterClrMapping/>
+  </p:clrMapOvr>
+</p:notes>
+</file>
+
+<file path=ppt/notesSlides/notesSlide19.xml><?xml version="1.0" encoding="utf-8"?>
 <p:notes xmlns:a="http://schemas.openxmlformats.org/drawingml/2006/main" xmlns:r="http://schemas.openxmlformats.org/officeDocument/2006/relationships" xmlns:p="http://schemas.openxmlformats.org/presentationml/2006/main">
   <p:cSld>
     <p:spTree>
@@ -3045,7 +3159,7 @@
           <a:p>
             <a:fld id="{3A676C88-1C67-4A7A-A1A3-A796592AD6F9}" type="datetimeFigureOut">
               <a:rPr lang="en-US" smtClean="0"/>
-              <a:t>6/22/2020</a:t>
+              <a:t>10/13/2020</a:t>
             </a:fld>
             <a:endParaRPr lang="en-US"/>
           </a:p>
@@ -3243,7 +3357,7 @@
           <a:p>
             <a:fld id="{3A676C88-1C67-4A7A-A1A3-A796592AD6F9}" type="datetimeFigureOut">
               <a:rPr lang="en-US" smtClean="0"/>
-              <a:t>6/22/2020</a:t>
+              <a:t>10/13/2020</a:t>
             </a:fld>
             <a:endParaRPr lang="en-US"/>
           </a:p>
@@ -3451,7 +3565,7 @@
           <a:p>
             <a:fld id="{3A676C88-1C67-4A7A-A1A3-A796592AD6F9}" type="datetimeFigureOut">
               <a:rPr lang="en-US" smtClean="0"/>
-              <a:t>6/22/2020</a:t>
+              <a:t>10/13/2020</a:t>
             </a:fld>
             <a:endParaRPr lang="en-US"/>
           </a:p>
@@ -3649,7 +3763,7 @@
           <a:p>
             <a:fld id="{3A676C88-1C67-4A7A-A1A3-A796592AD6F9}" type="datetimeFigureOut">
               <a:rPr lang="en-US" smtClean="0"/>
-              <a:t>6/22/2020</a:t>
+              <a:t>10/13/2020</a:t>
             </a:fld>
             <a:endParaRPr lang="en-US"/>
           </a:p>
@@ -3924,7 +4038,7 @@
           <a:p>
             <a:fld id="{3A676C88-1C67-4A7A-A1A3-A796592AD6F9}" type="datetimeFigureOut">
               <a:rPr lang="en-US" smtClean="0"/>
-              <a:t>6/22/2020</a:t>
+              <a:t>10/13/2020</a:t>
             </a:fld>
             <a:endParaRPr lang="en-US"/>
           </a:p>
@@ -4189,7 +4303,7 @@
           <a:p>
             <a:fld id="{3A676C88-1C67-4A7A-A1A3-A796592AD6F9}" type="datetimeFigureOut">
               <a:rPr lang="en-US" smtClean="0"/>
-              <a:t>6/22/2020</a:t>
+              <a:t>10/13/2020</a:t>
             </a:fld>
             <a:endParaRPr lang="en-US"/>
           </a:p>
@@ -4601,7 +4715,7 @@
           <a:p>
             <a:fld id="{3A676C88-1C67-4A7A-A1A3-A796592AD6F9}" type="datetimeFigureOut">
               <a:rPr lang="en-US" smtClean="0"/>
-              <a:t>6/22/2020</a:t>
+              <a:t>10/13/2020</a:t>
             </a:fld>
             <a:endParaRPr lang="en-US"/>
           </a:p>
@@ -4742,7 +4856,7 @@
           <a:p>
             <a:fld id="{3A676C88-1C67-4A7A-A1A3-A796592AD6F9}" type="datetimeFigureOut">
               <a:rPr lang="en-US" smtClean="0"/>
-              <a:t>6/22/2020</a:t>
+              <a:t>10/13/2020</a:t>
             </a:fld>
             <a:endParaRPr lang="en-US"/>
           </a:p>
@@ -4855,7 +4969,7 @@
           <a:p>
             <a:fld id="{3A676C88-1C67-4A7A-A1A3-A796592AD6F9}" type="datetimeFigureOut">
               <a:rPr lang="en-US" smtClean="0"/>
-              <a:t>6/22/2020</a:t>
+              <a:t>10/13/2020</a:t>
             </a:fld>
             <a:endParaRPr lang="en-US"/>
           </a:p>
@@ -5166,7 +5280,7 @@
           <a:p>
             <a:fld id="{3A676C88-1C67-4A7A-A1A3-A796592AD6F9}" type="datetimeFigureOut">
               <a:rPr lang="en-US" smtClean="0"/>
-              <a:t>6/22/2020</a:t>
+              <a:t>10/13/2020</a:t>
             </a:fld>
             <a:endParaRPr lang="en-US"/>
           </a:p>
@@ -5454,7 +5568,7 @@
           <a:p>
             <a:fld id="{3A676C88-1C67-4A7A-A1A3-A796592AD6F9}" type="datetimeFigureOut">
               <a:rPr lang="en-US" smtClean="0"/>
-              <a:t>6/22/2020</a:t>
+              <a:t>10/13/2020</a:t>
             </a:fld>
             <a:endParaRPr lang="en-US"/>
           </a:p>
@@ -5695,7 +5809,7 @@
           <a:p>
             <a:fld id="{3A676C88-1C67-4A7A-A1A3-A796592AD6F9}" type="datetimeFigureOut">
               <a:rPr lang="en-US" smtClean="0"/>
-              <a:t>6/22/2020</a:t>
+              <a:t>10/13/2020</a:t>
             </a:fld>
             <a:endParaRPr lang="en-US"/>
           </a:p>
@@ -8180,7 +8294,13 @@
           <a:p>
             <a:r>
               <a:rPr lang="en-US" dirty="0"/>
-              <a:t>2 main parts</a:t>
+              <a:t>Technical overview 20min</a:t>
+            </a:r>
+          </a:p>
+          <a:p>
+            <a:r>
+              <a:rPr lang="en-US" dirty="0"/>
+              <a:t>2 main parts (worksheets)</a:t>
             </a:r>
           </a:p>
           <a:p>
@@ -8188,6 +8308,18 @@
             <a:r>
               <a:rPr lang="en-US" dirty="0"/>
               <a:t>Create backend then frontend</a:t>
+            </a:r>
+          </a:p>
+          <a:p>
+            <a:r>
+              <a:rPr lang="en-US" dirty="0"/>
+              <a:t>We will work each step together</a:t>
+            </a:r>
+          </a:p>
+          <a:p>
+            <a:r>
+              <a:rPr lang="en-US" dirty="0"/>
+              <a:t>Clone repo and both solutions are there</a:t>
             </a:r>
           </a:p>
         </p:txBody>
@@ -8696,13 +8828,8 @@
           <a:p>
             <a:r>
               <a:rPr lang="en-US" dirty="0"/>
-              <a:t>Bikes </a:t>
-            </a:r>
-            <a:r>
-              <a:rPr lang="en-US" dirty="0" err="1"/>
-              <a:t>Componet</a:t>
-            </a:r>
-            <a:endParaRPr lang="en-US" dirty="0"/>
+              <a:t>Bikes Component</a:t>
+            </a:r>
           </a:p>
         </p:txBody>
       </p:sp>
@@ -9242,6 +9369,12 @@
         <p:txBody>
           <a:bodyPr/>
           <a:lstStyle/>
+          <a:p>
+            <a:r>
+              <a:rPr lang="en-US" dirty="0"/>
+              <a:t>Big step</a:t>
+            </a:r>
+          </a:p>
           <a:p>
             <a:r>
               <a:rPr lang="en-US" dirty="0"/>

--- a/Creating a serverless cloud native app on Azure.pptx
+++ b/Creating a serverless cloud native app on Azure.pptx
@@ -1245,28 +1245,7 @@
           <a:bodyPr/>
           <a:lstStyle/>
           <a:p>
-            <a:r>
-              <a:rPr lang="en-US" dirty="0"/>
-              <a:t>This demo uses Static functions like a normal programming API. Play close attention to making your objects static or you will run over connection limits</a:t>
-            </a:r>
-          </a:p>
-          <a:p>
-            <a:endParaRPr lang="en-US" dirty="0"/>
-          </a:p>
-          <a:p>
-            <a:r>
-              <a:rPr lang="en-US" dirty="0"/>
-              <a:t>This demo uses CORS to protect access. AAD can be integrated.</a:t>
-            </a:r>
-          </a:p>
-          <a:p>
-            <a:endParaRPr lang="en-US" dirty="0"/>
-          </a:p>
-          <a:p>
-            <a:r>
-              <a:rPr lang="en-US" dirty="0"/>
-              <a:t>On a new development box you might get excitation policy issues. I have included PowerShell instructions. </a:t>
-            </a:r>
+            <a:endParaRPr lang="en-US"/>
           </a:p>
         </p:txBody>
       </p:sp>
@@ -1287,7 +1266,7 @@
           <a:p>
             <a:fld id="{F61CD7AC-94AE-4C9D-9823-1D165204130C}" type="slidenum">
               <a:rPr lang="en-US" smtClean="0"/>
-              <a:t>11</a:t>
+              <a:t>3</a:t>
             </a:fld>
             <a:endParaRPr lang="en-US"/>
           </a:p>
@@ -1296,7 +1275,7 @@
     </p:spTree>
     <p:extLst>
       <p:ext uri="{BB962C8B-B14F-4D97-AF65-F5344CB8AC3E}">
-        <p14:creationId xmlns:p14="http://schemas.microsoft.com/office/powerpoint/2010/main" val="811774009"/>
+        <p14:creationId xmlns:p14="http://schemas.microsoft.com/office/powerpoint/2010/main" val="1685952246"/>
       </p:ext>
     </p:extLst>
   </p:cSld>
@@ -1371,7 +1350,7 @@
           <a:p>
             <a:fld id="{F61CD7AC-94AE-4C9D-9823-1D165204130C}" type="slidenum">
               <a:rPr lang="en-US" smtClean="0"/>
-              <a:t>28</a:t>
+              <a:t>26</a:t>
             </a:fld>
             <a:endParaRPr lang="en-US"/>
           </a:p>
@@ -1434,10 +1413,7 @@
           <a:bodyPr/>
           <a:lstStyle/>
           <a:p>
-            <a:r>
-              <a:rPr lang="en-US" dirty="0"/>
-              <a:t>The code is an azure active directory token appended to the query string with a ?Code=token. More advanced security would be to obtain a token from AAD dynamically. </a:t>
-            </a:r>
+            <a:endParaRPr lang="en-US" dirty="0"/>
           </a:p>
         </p:txBody>
       </p:sp>
@@ -1458,7 +1434,7 @@
           <a:p>
             <a:fld id="{F61CD7AC-94AE-4C9D-9823-1D165204130C}" type="slidenum">
               <a:rPr lang="en-US" smtClean="0"/>
-              <a:t>30</a:t>
+              <a:t>28</a:t>
             </a:fld>
             <a:endParaRPr lang="en-US"/>
           </a:p>
@@ -1523,7 +1499,7 @@
           <a:p>
             <a:r>
               <a:rPr lang="en-US" dirty="0"/>
-              <a:t>In this walkthrough we are using CORS to secure our API. Is this is setup correctly it will block traffic from all servers other than what you list. You can increase security my implementing Azure API management and Azure Active Directory. </a:t>
+              <a:t>The code is an azure active directory token appended to the query string with a ?Code=token. More advanced security would be to obtain a token from AAD dynamically. </a:t>
             </a:r>
           </a:p>
         </p:txBody>
@@ -1545,7 +1521,7 @@
           <a:p>
             <a:fld id="{F61CD7AC-94AE-4C9D-9823-1D165204130C}" type="slidenum">
               <a:rPr lang="en-US" smtClean="0"/>
-              <a:t>32</a:t>
+              <a:t>30</a:t>
             </a:fld>
             <a:endParaRPr lang="en-US"/>
           </a:p>
@@ -1610,25 +1586,7 @@
           <a:p>
             <a:r>
               <a:rPr lang="en-US" dirty="0"/>
-              <a:t>React Overview:</a:t>
-            </a:r>
-          </a:p>
-          <a:p>
-            <a:r>
-              <a:rPr lang="en-US" dirty="0"/>
-              <a:t>	Render method is the body return</a:t>
-            </a:r>
-          </a:p>
-          <a:p>
-            <a:r>
-              <a:rPr lang="en-US" dirty="0"/>
-              <a:t>	You have to override all events</a:t>
-            </a:r>
-          </a:p>
-          <a:p>
-            <a:r>
-              <a:rPr lang="en-US" dirty="0"/>
-              <a:t>	There is “state”</a:t>
+              <a:t>In this walkthrough we are using CORS to secure our API. Is this is setup correctly it will block traffic from all servers other than what you list. You can increase security my implementing Azure API management and Azure Active Directory. </a:t>
             </a:r>
           </a:p>
         </p:txBody>
@@ -1650,7 +1608,7 @@
           <a:p>
             <a:fld id="{F61CD7AC-94AE-4C9D-9823-1D165204130C}" type="slidenum">
               <a:rPr lang="en-US" smtClean="0"/>
-              <a:t>33</a:t>
+              <a:t>32</a:t>
             </a:fld>
             <a:endParaRPr lang="en-US"/>
           </a:p>
@@ -1659,7 +1617,7 @@
     </p:spTree>
     <p:extLst>
       <p:ext uri="{BB962C8B-B14F-4D97-AF65-F5344CB8AC3E}">
-        <p14:creationId xmlns:p14="http://schemas.microsoft.com/office/powerpoint/2010/main" val="741397129"/>
+        <p14:creationId xmlns:p14="http://schemas.microsoft.com/office/powerpoint/2010/main" val="811774009"/>
       </p:ext>
     </p:extLst>
   </p:cSld>
@@ -1715,13 +1673,25 @@
           <a:p>
             <a:r>
               <a:rPr lang="en-US" dirty="0"/>
-              <a:t>Tip: right click format document</a:t>
-            </a:r>
-          </a:p>
-          <a:p>
-            <a:r>
-              <a:rPr lang="en-US" dirty="0"/>
-              <a:t>Tip: hover quick fix</a:t>
+              <a:t>React Overview:</a:t>
+            </a:r>
+          </a:p>
+          <a:p>
+            <a:r>
+              <a:rPr lang="en-US" dirty="0"/>
+              <a:t>	Render method is the body return</a:t>
+            </a:r>
+          </a:p>
+          <a:p>
+            <a:r>
+              <a:rPr lang="en-US" dirty="0"/>
+              <a:t>	You have to override all events</a:t>
+            </a:r>
+          </a:p>
+          <a:p>
+            <a:r>
+              <a:rPr lang="en-US" dirty="0"/>
+              <a:t>	There is “state”</a:t>
             </a:r>
           </a:p>
         </p:txBody>
@@ -1743,7 +1713,7 @@
           <a:p>
             <a:fld id="{F61CD7AC-94AE-4C9D-9823-1D165204130C}" type="slidenum">
               <a:rPr lang="en-US" smtClean="0"/>
-              <a:t>34</a:t>
+              <a:t>33</a:t>
             </a:fld>
             <a:endParaRPr lang="en-US"/>
           </a:p>
@@ -1752,7 +1722,7 @@
     </p:spTree>
     <p:extLst>
       <p:ext uri="{BB962C8B-B14F-4D97-AF65-F5344CB8AC3E}">
-        <p14:creationId xmlns:p14="http://schemas.microsoft.com/office/powerpoint/2010/main" val="811774009"/>
+        <p14:creationId xmlns:p14="http://schemas.microsoft.com/office/powerpoint/2010/main" val="741397129"/>
       </p:ext>
     </p:extLst>
   </p:cSld>
@@ -1806,7 +1776,16 @@
           <a:bodyPr/>
           <a:lstStyle/>
           <a:p>
-            <a:endParaRPr lang="en-US" dirty="0"/>
+            <a:r>
+              <a:rPr lang="en-US" dirty="0"/>
+              <a:t>Tip: right click format document</a:t>
+            </a:r>
+          </a:p>
+          <a:p>
+            <a:r>
+              <a:rPr lang="en-US" dirty="0"/>
+              <a:t>Tip: hover quick fix</a:t>
+            </a:r>
           </a:p>
         </p:txBody>
       </p:sp>
@@ -1827,7 +1806,7 @@
           <a:p>
             <a:fld id="{F61CD7AC-94AE-4C9D-9823-1D165204130C}" type="slidenum">
               <a:rPr lang="en-US" smtClean="0"/>
-              <a:t>36</a:t>
+              <a:t>34</a:t>
             </a:fld>
             <a:endParaRPr lang="en-US"/>
           </a:p>
@@ -1911,7 +1890,7 @@
           <a:p>
             <a:fld id="{F61CD7AC-94AE-4C9D-9823-1D165204130C}" type="slidenum">
               <a:rPr lang="en-US" smtClean="0"/>
-              <a:t>38</a:t>
+              <a:t>36</a:t>
             </a:fld>
             <a:endParaRPr lang="en-US"/>
           </a:p>
@@ -1974,21 +1953,6 @@
           <a:bodyPr/>
           <a:lstStyle/>
           <a:p>
-            <a:r>
-              <a:rPr lang="en-US" dirty="0"/>
-              <a:t>Review different react lifecycle steps</a:t>
-            </a:r>
-          </a:p>
-          <a:p>
-            <a:endParaRPr lang="en-US" dirty="0"/>
-          </a:p>
-          <a:p>
-            <a:r>
-              <a:rPr lang="en-US" dirty="0"/>
-              <a:t>Challenging step, review completed solution for clarity if needed</a:t>
-            </a:r>
-          </a:p>
-          <a:p>
             <a:endParaRPr lang="en-US" dirty="0"/>
           </a:p>
         </p:txBody>
@@ -2010,7 +1974,7 @@
           <a:p>
             <a:fld id="{F61CD7AC-94AE-4C9D-9823-1D165204130C}" type="slidenum">
               <a:rPr lang="en-US" smtClean="0"/>
-              <a:t>40</a:t>
+              <a:t>38</a:t>
             </a:fld>
             <a:endParaRPr lang="en-US"/>
           </a:p>
@@ -2075,8 +2039,20 @@
           <a:p>
             <a:r>
               <a:rPr lang="en-US" dirty="0"/>
-              <a:t>Complicated step, refer to solution for reference</a:t>
-            </a:r>
+              <a:t>Review different react lifecycle steps</a:t>
+            </a:r>
+          </a:p>
+          <a:p>
+            <a:endParaRPr lang="en-US" dirty="0"/>
+          </a:p>
+          <a:p>
+            <a:r>
+              <a:rPr lang="en-US" dirty="0"/>
+              <a:t>Challenging step, review completed solution for clarity if needed</a:t>
+            </a:r>
+          </a:p>
+          <a:p>
+            <a:endParaRPr lang="en-US" dirty="0"/>
           </a:p>
         </p:txBody>
       </p:sp>
@@ -2097,7 +2073,7 @@
           <a:p>
             <a:fld id="{F61CD7AC-94AE-4C9D-9823-1D165204130C}" type="slidenum">
               <a:rPr lang="en-US" smtClean="0"/>
-              <a:t>42</a:t>
+              <a:t>40</a:t>
             </a:fld>
             <a:endParaRPr lang="en-US"/>
           </a:p>
@@ -2160,7 +2136,10 @@
           <a:bodyPr/>
           <a:lstStyle/>
           <a:p>
-            <a:endParaRPr lang="en-US" dirty="0"/>
+            <a:r>
+              <a:rPr lang="en-US" dirty="0"/>
+              <a:t>Complicated step, refer to solution for reference</a:t>
+            </a:r>
           </a:p>
         </p:txBody>
       </p:sp>
@@ -2181,7 +2160,7 @@
           <a:p>
             <a:fld id="{F61CD7AC-94AE-4C9D-9823-1D165204130C}" type="slidenum">
               <a:rPr lang="en-US" smtClean="0"/>
-              <a:t>44</a:t>
+              <a:t>42</a:t>
             </a:fld>
             <a:endParaRPr lang="en-US"/>
           </a:p>
@@ -2246,7 +2225,7 @@
           <a:p>
             <a:r>
               <a:rPr lang="en-US" dirty="0"/>
-              <a:t>Could take a bit to provision</a:t>
+              <a:t>This demo uses Static functions like a normal programming API. Play close attention to making your objects static or you will run over connection limits</a:t>
             </a:r>
           </a:p>
           <a:p>
@@ -2255,21 +2234,17 @@
           <a:p>
             <a:r>
               <a:rPr lang="en-US" dirty="0"/>
-              <a:t>Several API types, </a:t>
-            </a:r>
-            <a:r>
-              <a:rPr lang="en-US" dirty="0" err="1"/>
-              <a:t>sql</a:t>
-            </a:r>
-            <a:r>
-              <a:rPr lang="en-US" dirty="0"/>
-              <a:t> core is like normal </a:t>
-            </a:r>
-            <a:r>
-              <a:rPr lang="en-US" dirty="0" err="1"/>
-              <a:t>sql</a:t>
-            </a:r>
+              <a:t>This demo uses CORS to protect access. AAD can be integrated.</a:t>
+            </a:r>
+          </a:p>
+          <a:p>
             <a:endParaRPr lang="en-US" dirty="0"/>
+          </a:p>
+          <a:p>
+            <a:r>
+              <a:rPr lang="en-US" dirty="0"/>
+              <a:t>On a new development box you might get excitation policy issues. I have included PowerShell instructions. </a:t>
+            </a:r>
           </a:p>
         </p:txBody>
       </p:sp>
@@ -2290,7 +2265,91 @@
           <a:p>
             <a:fld id="{F61CD7AC-94AE-4C9D-9823-1D165204130C}" type="slidenum">
               <a:rPr lang="en-US" smtClean="0"/>
-              <a:t>13</a:t>
+              <a:t>11</a:t>
+            </a:fld>
+            <a:endParaRPr lang="en-US"/>
+          </a:p>
+        </p:txBody>
+      </p:sp>
+    </p:spTree>
+    <p:extLst>
+      <p:ext uri="{BB962C8B-B14F-4D97-AF65-F5344CB8AC3E}">
+        <p14:creationId xmlns:p14="http://schemas.microsoft.com/office/powerpoint/2010/main" val="811774009"/>
+      </p:ext>
+    </p:extLst>
+  </p:cSld>
+  <p:clrMapOvr>
+    <a:masterClrMapping/>
+  </p:clrMapOvr>
+</p:notes>
+</file>
+
+<file path=ppt/notesSlides/notesSlide20.xml><?xml version="1.0" encoding="utf-8"?>
+<p:notes xmlns:a="http://schemas.openxmlformats.org/drawingml/2006/main" xmlns:r="http://schemas.openxmlformats.org/officeDocument/2006/relationships" xmlns:p="http://schemas.openxmlformats.org/presentationml/2006/main">
+  <p:cSld>
+    <p:spTree>
+      <p:nvGrpSpPr>
+        <p:cNvPr id="1" name=""/>
+        <p:cNvGrpSpPr/>
+        <p:nvPr/>
+      </p:nvGrpSpPr>
+      <p:grpSpPr>
+        <a:xfrm>
+          <a:off x="0" y="0"/>
+          <a:ext cx="0" cy="0"/>
+          <a:chOff x="0" y="0"/>
+          <a:chExt cx="0" cy="0"/>
+        </a:xfrm>
+      </p:grpSpPr>
+      <p:sp>
+        <p:nvSpPr>
+          <p:cNvPr id="2" name="Slide Image Placeholder 1"/>
+          <p:cNvSpPr>
+            <a:spLocks noGrp="1" noRot="1" noChangeAspect="1"/>
+          </p:cNvSpPr>
+          <p:nvPr>
+            <p:ph type="sldImg"/>
+          </p:nvPr>
+        </p:nvSpPr>
+        <p:spPr/>
+      </p:sp>
+      <p:sp>
+        <p:nvSpPr>
+          <p:cNvPr id="3" name="Notes Placeholder 2"/>
+          <p:cNvSpPr>
+            <a:spLocks noGrp="1"/>
+          </p:cNvSpPr>
+          <p:nvPr>
+            <p:ph type="body" idx="1"/>
+          </p:nvPr>
+        </p:nvSpPr>
+        <p:spPr/>
+        <p:txBody>
+          <a:bodyPr/>
+          <a:lstStyle/>
+          <a:p>
+            <a:endParaRPr lang="en-US" dirty="0"/>
+          </a:p>
+        </p:txBody>
+      </p:sp>
+      <p:sp>
+        <p:nvSpPr>
+          <p:cNvPr id="4" name="Slide Number Placeholder 3"/>
+          <p:cNvSpPr>
+            <a:spLocks noGrp="1"/>
+          </p:cNvSpPr>
+          <p:nvPr>
+            <p:ph type="sldNum" sz="quarter" idx="5"/>
+          </p:nvPr>
+        </p:nvSpPr>
+        <p:spPr/>
+        <p:txBody>
+          <a:bodyPr/>
+          <a:lstStyle/>
+          <a:p>
+            <a:fld id="{F61CD7AC-94AE-4C9D-9823-1D165204130C}" type="slidenum">
+              <a:rPr lang="en-US" smtClean="0"/>
+              <a:t>44</a:t>
             </a:fld>
             <a:endParaRPr lang="en-US"/>
           </a:p>
@@ -2355,8 +2414,30 @@
           <a:p>
             <a:r>
               <a:rPr lang="en-US" dirty="0"/>
-              <a:t>This project uses a microservice pattern where the endpoint is a noun with verbs to handle functionality.</a:t>
-            </a:r>
+              <a:t>Could take a bit to provision</a:t>
+            </a:r>
+          </a:p>
+          <a:p>
+            <a:endParaRPr lang="en-US" dirty="0"/>
+          </a:p>
+          <a:p>
+            <a:r>
+              <a:rPr lang="en-US" dirty="0"/>
+              <a:t>Several API types, </a:t>
+            </a:r>
+            <a:r>
+              <a:rPr lang="en-US" dirty="0" err="1"/>
+              <a:t>sql</a:t>
+            </a:r>
+            <a:r>
+              <a:rPr lang="en-US" dirty="0"/>
+              <a:t> core is like normal </a:t>
+            </a:r>
+            <a:r>
+              <a:rPr lang="en-US" dirty="0" err="1"/>
+              <a:t>sql</a:t>
+            </a:r>
+            <a:endParaRPr lang="en-US" dirty="0"/>
           </a:p>
         </p:txBody>
       </p:sp>
@@ -2377,7 +2458,7 @@
           <a:p>
             <a:fld id="{F61CD7AC-94AE-4C9D-9823-1D165204130C}" type="slidenum">
               <a:rPr lang="en-US" smtClean="0"/>
-              <a:t>15</a:t>
+              <a:t>13</a:t>
             </a:fld>
             <a:endParaRPr lang="en-US"/>
           </a:p>
@@ -2440,7 +2521,10 @@
           <a:bodyPr/>
           <a:lstStyle/>
           <a:p>
-            <a:endParaRPr lang="en-US" dirty="0"/>
+            <a:r>
+              <a:rPr lang="en-US" dirty="0"/>
+              <a:t>This project uses a microservice pattern where the endpoint is a noun with verbs to handle functionality.</a:t>
+            </a:r>
           </a:p>
         </p:txBody>
       </p:sp>
@@ -2461,7 +2545,7 @@
           <a:p>
             <a:fld id="{F61CD7AC-94AE-4C9D-9823-1D165204130C}" type="slidenum">
               <a:rPr lang="en-US" smtClean="0"/>
-              <a:t>16</a:t>
+              <a:t>15</a:t>
             </a:fld>
             <a:endParaRPr lang="en-US"/>
           </a:p>
@@ -2524,36 +2608,7 @@
           <a:bodyPr/>
           <a:lstStyle/>
           <a:p>
-            <a:r>
-              <a:rPr lang="en-US" dirty="0"/>
-              <a:t>Cosmos costs more than raw azure storage but gives you the ability to query. If you have a strong partition strategy, then storage might be better. Data explore you can query like </a:t>
-            </a:r>
-            <a:r>
-              <a:rPr lang="en-US" dirty="0" err="1"/>
-              <a:t>sql</a:t>
-            </a:r>
-            <a:r>
-              <a:rPr lang="en-US" dirty="0"/>
-              <a:t>. Many also wire azure search against the table storage.</a:t>
-            </a:r>
-          </a:p>
-          <a:p>
             <a:endParaRPr lang="en-US" dirty="0"/>
-          </a:p>
-          <a:p>
-            <a:r>
-              <a:rPr lang="en-US" dirty="0"/>
-              <a:t>RU is how much it takes to process. Be careful on query's this is where the costs are.</a:t>
-            </a:r>
-          </a:p>
-          <a:p>
-            <a:endParaRPr lang="en-US" dirty="0"/>
-          </a:p>
-          <a:p>
-            <a:r>
-              <a:rPr lang="en-US" dirty="0"/>
-              <a:t>Partition key is important to get right. It is much cheaper to design this in the beginning. </a:t>
-            </a:r>
           </a:p>
         </p:txBody>
       </p:sp>
@@ -2574,7 +2629,7 @@
           <a:p>
             <a:fld id="{F61CD7AC-94AE-4C9D-9823-1D165204130C}" type="slidenum">
               <a:rPr lang="en-US" smtClean="0"/>
-              <a:t>18</a:t>
+              <a:t>16</a:t>
             </a:fld>
             <a:endParaRPr lang="en-US"/>
           </a:p>
@@ -2639,7 +2694,15 @@
           <a:p>
             <a:r>
               <a:rPr lang="en-US" dirty="0"/>
-              <a:t>This demo uses Static functions like a normal programming API. Pay close attention to making your objects static or you will run over connection limits.</a:t>
+              <a:t>Cosmos costs more than raw azure storage but gives you the ability to query. If you have a strong partition strategy, then storage might be better. Data explore you can query like </a:t>
+            </a:r>
+            <a:r>
+              <a:rPr lang="en-US" dirty="0" err="1"/>
+              <a:t>sql</a:t>
+            </a:r>
+            <a:r>
+              <a:rPr lang="en-US" dirty="0"/>
+              <a:t>. Many also wire azure search against the table storage.</a:t>
             </a:r>
           </a:p>
           <a:p>
@@ -2648,7 +2711,7 @@
           <a:p>
             <a:r>
               <a:rPr lang="en-US" dirty="0"/>
-              <a:t>This demo uses a DAL static class to handle the static connections.</a:t>
+              <a:t>RU is how much it takes to process. Be careful on query's this is where the costs are.</a:t>
             </a:r>
           </a:p>
           <a:p>
@@ -2657,67 +2720,8 @@
           <a:p>
             <a:r>
               <a:rPr lang="en-US" dirty="0"/>
-              <a:t>Receive Connection string from portal</a:t>
-            </a:r>
-            <a:r>
-              <a:rPr lang="en-US" sz="1800" dirty="0">
-                <a:effectLst/>
-                <a:latin typeface="Calibri" panose="020F0502020204030204" pitchFamily="34" charset="0"/>
-                <a:ea typeface="Times New Roman" panose="02020603050405020304" pitchFamily="18" charset="0"/>
-              </a:rPr>
-              <a:t>: Settings\Keys\Primary Connection String</a:t>
-            </a:r>
-          </a:p>
-          <a:p>
-            <a:endParaRPr lang="en-US" sz="1800" dirty="0">
-              <a:effectLst/>
-              <a:latin typeface="Calibri" panose="020F0502020204030204" pitchFamily="34" charset="0"/>
-            </a:endParaRPr>
-          </a:p>
-          <a:p>
-            <a:r>
-              <a:rPr lang="en-US" sz="1800" dirty="0">
-                <a:effectLst/>
-                <a:latin typeface="Calibri" panose="020F0502020204030204" pitchFamily="34" charset="0"/>
-              </a:rPr>
-              <a:t>Reference complete project if the folder structure is confusing</a:t>
-            </a:r>
-          </a:p>
-          <a:p>
-            <a:endParaRPr lang="en-US" sz="1800" dirty="0">
-              <a:effectLst/>
-              <a:latin typeface="Calibri" panose="020F0502020204030204" pitchFamily="34" charset="0"/>
-            </a:endParaRPr>
-          </a:p>
-          <a:p>
-            <a:r>
-              <a:rPr lang="en-US" sz="1800" dirty="0">
-                <a:effectLst/>
-                <a:latin typeface="Calibri" panose="020F0502020204030204" pitchFamily="34" charset="0"/>
-              </a:rPr>
-              <a:t>Code . Shortcut</a:t>
-            </a:r>
-          </a:p>
-          <a:p>
-            <a:endParaRPr lang="en-US" sz="1800" dirty="0">
-              <a:effectLst/>
-              <a:latin typeface="Calibri" panose="020F0502020204030204" pitchFamily="34" charset="0"/>
-            </a:endParaRPr>
-          </a:p>
-          <a:p>
-            <a:r>
-              <a:rPr lang="en-US" sz="1800" dirty="0">
-                <a:effectLst/>
-                <a:latin typeface="Calibri" panose="020F0502020204030204" pitchFamily="34" charset="0"/>
-              </a:rPr>
-              <a:t>If invalid character remove spaces</a:t>
-            </a:r>
-          </a:p>
-          <a:p>
-            <a:endParaRPr lang="en-US" dirty="0"/>
-          </a:p>
-          <a:p>
-            <a:endParaRPr lang="en-US" dirty="0"/>
+              <a:t>Partition key is important to get right. It is much cheaper to design this in the beginning. </a:t>
+            </a:r>
           </a:p>
         </p:txBody>
       </p:sp>
@@ -2738,7 +2742,7 @@
           <a:p>
             <a:fld id="{F61CD7AC-94AE-4C9D-9823-1D165204130C}" type="slidenum">
               <a:rPr lang="en-US" smtClean="0"/>
-              <a:t>20</a:t>
+              <a:t>18</a:t>
             </a:fld>
             <a:endParaRPr lang="en-US"/>
           </a:p>
@@ -2801,6 +2805,86 @@
           <a:bodyPr/>
           <a:lstStyle/>
           <a:p>
+            <a:r>
+              <a:rPr lang="en-US" dirty="0"/>
+              <a:t>This demo uses Static functions like a normal programming API. Pay close attention to making your objects static or you will run over connection limits.</a:t>
+            </a:r>
+          </a:p>
+          <a:p>
+            <a:endParaRPr lang="en-US" dirty="0"/>
+          </a:p>
+          <a:p>
+            <a:r>
+              <a:rPr lang="en-US" dirty="0"/>
+              <a:t>This demo uses a DAL static class to handle the static connections.</a:t>
+            </a:r>
+          </a:p>
+          <a:p>
+            <a:endParaRPr lang="en-US" dirty="0"/>
+          </a:p>
+          <a:p>
+            <a:r>
+              <a:rPr lang="en-US" dirty="0"/>
+              <a:t>Receive Connection string from portal</a:t>
+            </a:r>
+            <a:r>
+              <a:rPr lang="en-US" sz="1800" dirty="0">
+                <a:effectLst/>
+                <a:latin typeface="Calibri" panose="020F0502020204030204" pitchFamily="34" charset="0"/>
+                <a:ea typeface="Times New Roman" panose="02020603050405020304" pitchFamily="18" charset="0"/>
+              </a:rPr>
+              <a:t>: Settings\Keys\Primary Connection String</a:t>
+            </a:r>
+          </a:p>
+          <a:p>
+            <a:endParaRPr lang="en-US" sz="1800" dirty="0">
+              <a:effectLst/>
+              <a:latin typeface="Calibri" panose="020F0502020204030204" pitchFamily="34" charset="0"/>
+            </a:endParaRPr>
+          </a:p>
+          <a:p>
+            <a:r>
+              <a:rPr lang="en-US" sz="1800" dirty="0">
+                <a:effectLst/>
+                <a:latin typeface="Calibri" panose="020F0502020204030204" pitchFamily="34" charset="0"/>
+              </a:rPr>
+              <a:t>Reference complete project if the folder structure is confusing</a:t>
+            </a:r>
+          </a:p>
+          <a:p>
+            <a:endParaRPr lang="en-US" sz="1800" dirty="0">
+              <a:effectLst/>
+              <a:latin typeface="Calibri" panose="020F0502020204030204" pitchFamily="34" charset="0"/>
+            </a:endParaRPr>
+          </a:p>
+          <a:p>
+            <a:r>
+              <a:rPr lang="en-US" sz="1800" dirty="0">
+                <a:effectLst/>
+                <a:latin typeface="Calibri" panose="020F0502020204030204" pitchFamily="34" charset="0"/>
+              </a:rPr>
+              <a:t>Code . Shortcut</a:t>
+            </a:r>
+          </a:p>
+          <a:p>
+            <a:endParaRPr lang="en-US" sz="1800" dirty="0">
+              <a:effectLst/>
+              <a:latin typeface="Calibri" panose="020F0502020204030204" pitchFamily="34" charset="0"/>
+            </a:endParaRPr>
+          </a:p>
+          <a:p>
+            <a:r>
+              <a:rPr lang="en-US" sz="1800" dirty="0">
+                <a:effectLst/>
+                <a:latin typeface="Calibri" panose="020F0502020204030204" pitchFamily="34" charset="0"/>
+              </a:rPr>
+              <a:t>If invalid character remove spaces</a:t>
+            </a:r>
+          </a:p>
+          <a:p>
+            <a:endParaRPr lang="en-US" dirty="0"/>
+          </a:p>
+          <a:p>
             <a:endParaRPr lang="en-US" dirty="0"/>
           </a:p>
         </p:txBody>
@@ -2822,7 +2906,7 @@
           <a:p>
             <a:fld id="{F61CD7AC-94AE-4C9D-9823-1D165204130C}" type="slidenum">
               <a:rPr lang="en-US" smtClean="0"/>
-              <a:t>22</a:t>
+              <a:t>20</a:t>
             </a:fld>
             <a:endParaRPr lang="en-US"/>
           </a:p>
@@ -2885,10 +2969,7 @@
           <a:bodyPr/>
           <a:lstStyle/>
           <a:p>
-            <a:r>
-              <a:rPr lang="en-US" dirty="0"/>
-              <a:t>In the last step we determine the intent of the action by what verb is submitted to the service. GET is usually a read, PUT is an update, POST is a create and at time we can use DELETE.</a:t>
-            </a:r>
+            <a:endParaRPr lang="en-US" dirty="0"/>
           </a:p>
         </p:txBody>
       </p:sp>
@@ -2909,7 +2990,7 @@
           <a:p>
             <a:fld id="{F61CD7AC-94AE-4C9D-9823-1D165204130C}" type="slidenum">
               <a:rPr lang="en-US" smtClean="0"/>
-              <a:t>24</a:t>
+              <a:t>22</a:t>
             </a:fld>
             <a:endParaRPr lang="en-US"/>
           </a:p>
@@ -2972,7 +3053,10 @@
           <a:bodyPr/>
           <a:lstStyle/>
           <a:p>
-            <a:endParaRPr lang="en-US" dirty="0"/>
+            <a:r>
+              <a:rPr lang="en-US" dirty="0"/>
+              <a:t>In the last step we determine the intent of the action by what verb is submitted to the service. GET is usually a read, PUT is an update, POST is a create and at time we can use DELETE.</a:t>
+            </a:r>
           </a:p>
         </p:txBody>
       </p:sp>
@@ -2993,7 +3077,7 @@
           <a:p>
             <a:fld id="{F61CD7AC-94AE-4C9D-9823-1D165204130C}" type="slidenum">
               <a:rPr lang="en-US" smtClean="0"/>
-              <a:t>26</a:t>
+              <a:t>24</a:t>
             </a:fld>
             <a:endParaRPr lang="en-US"/>
           </a:p>
@@ -8320,6 +8404,12 @@
             <a:r>
               <a:rPr lang="en-US" dirty="0"/>
               <a:t>Clone repo and both solutions are there</a:t>
+            </a:r>
+          </a:p>
+          <a:p>
+            <a:r>
+              <a:rPr lang="en-US" dirty="0"/>
+              <a:t>Light overview, should go deeper</a:t>
             </a:r>
           </a:p>
         </p:txBody>

--- a/Creating a serverless cloud native app on Azure.pptx
+++ b/Creating a serverless cloud native app on Azure.pptx
@@ -5,7 +5,7 @@
     <p:sldMasterId id="2147483648" r:id="rId1"/>
   </p:sldMasterIdLst>
   <p:notesMasterIdLst>
-    <p:notesMasterId r:id="rId46"/>
+    <p:notesMasterId r:id="rId48"/>
   </p:notesMasterIdLst>
   <p:sldIdLst>
     <p:sldId id="256" r:id="rId2"/>
@@ -17,41 +17,43 @@
     <p:sldId id="280" r:id="rId8"/>
     <p:sldId id="281" r:id="rId9"/>
     <p:sldId id="258" r:id="rId10"/>
-    <p:sldId id="259" r:id="rId11"/>
-    <p:sldId id="282" r:id="rId12"/>
-    <p:sldId id="260" r:id="rId13"/>
-    <p:sldId id="302" r:id="rId14"/>
-    <p:sldId id="261" r:id="rId15"/>
-    <p:sldId id="315" r:id="rId16"/>
-    <p:sldId id="300" r:id="rId17"/>
-    <p:sldId id="262" r:id="rId18"/>
-    <p:sldId id="298" r:id="rId19"/>
-    <p:sldId id="264" r:id="rId20"/>
-    <p:sldId id="297" r:id="rId21"/>
-    <p:sldId id="265" r:id="rId22"/>
-    <p:sldId id="303" r:id="rId23"/>
-    <p:sldId id="266" r:id="rId24"/>
-    <p:sldId id="304" r:id="rId25"/>
-    <p:sldId id="267" r:id="rId26"/>
-    <p:sldId id="314" r:id="rId27"/>
-    <p:sldId id="268" r:id="rId28"/>
-    <p:sldId id="313" r:id="rId29"/>
-    <p:sldId id="269" r:id="rId30"/>
-    <p:sldId id="312" r:id="rId31"/>
-    <p:sldId id="270" r:id="rId32"/>
-    <p:sldId id="311" r:id="rId33"/>
-    <p:sldId id="271" r:id="rId34"/>
-    <p:sldId id="310" r:id="rId35"/>
-    <p:sldId id="272" r:id="rId36"/>
-    <p:sldId id="309" r:id="rId37"/>
-    <p:sldId id="273" r:id="rId38"/>
-    <p:sldId id="308" r:id="rId39"/>
-    <p:sldId id="274" r:id="rId40"/>
-    <p:sldId id="307" r:id="rId41"/>
-    <p:sldId id="275" r:id="rId42"/>
-    <p:sldId id="306" r:id="rId43"/>
-    <p:sldId id="276" r:id="rId44"/>
-    <p:sldId id="305" r:id="rId45"/>
+    <p:sldId id="316" r:id="rId11"/>
+    <p:sldId id="259" r:id="rId12"/>
+    <p:sldId id="282" r:id="rId13"/>
+    <p:sldId id="260" r:id="rId14"/>
+    <p:sldId id="302" r:id="rId15"/>
+    <p:sldId id="261" r:id="rId16"/>
+    <p:sldId id="315" r:id="rId17"/>
+    <p:sldId id="300" r:id="rId18"/>
+    <p:sldId id="262" r:id="rId19"/>
+    <p:sldId id="298" r:id="rId20"/>
+    <p:sldId id="264" r:id="rId21"/>
+    <p:sldId id="297" r:id="rId22"/>
+    <p:sldId id="265" r:id="rId23"/>
+    <p:sldId id="303" r:id="rId24"/>
+    <p:sldId id="266" r:id="rId25"/>
+    <p:sldId id="304" r:id="rId26"/>
+    <p:sldId id="267" r:id="rId27"/>
+    <p:sldId id="314" r:id="rId28"/>
+    <p:sldId id="268" r:id="rId29"/>
+    <p:sldId id="313" r:id="rId30"/>
+    <p:sldId id="269" r:id="rId31"/>
+    <p:sldId id="312" r:id="rId32"/>
+    <p:sldId id="270" r:id="rId33"/>
+    <p:sldId id="311" r:id="rId34"/>
+    <p:sldId id="271" r:id="rId35"/>
+    <p:sldId id="317" r:id="rId36"/>
+    <p:sldId id="310" r:id="rId37"/>
+    <p:sldId id="272" r:id="rId38"/>
+    <p:sldId id="309" r:id="rId39"/>
+    <p:sldId id="273" r:id="rId40"/>
+    <p:sldId id="308" r:id="rId41"/>
+    <p:sldId id="274" r:id="rId42"/>
+    <p:sldId id="307" r:id="rId43"/>
+    <p:sldId id="275" r:id="rId44"/>
+    <p:sldId id="306" r:id="rId45"/>
+    <p:sldId id="276" r:id="rId46"/>
+    <p:sldId id="305" r:id="rId47"/>
   </p:sldIdLst>
   <p:sldSz cx="12192000" cy="6858000"/>
   <p:notesSz cx="6858000" cy="9144000"/>
@@ -168,6 +170,7 @@
         <p14:section name="Part 00" id="{CCD6154E-0750-43E3-BC7F-B5644D668C41}">
           <p14:sldIdLst>
             <p14:sldId id="258"/>
+            <p14:sldId id="316"/>
             <p14:sldId id="259"/>
             <p14:sldId id="282"/>
             <p14:sldId id="260"/>
@@ -196,6 +199,7 @@
         <p14:section name="Part 01" id="{F0C157F0-CD75-4710-941B-6A4DD0C49FF3}">
           <p14:sldIdLst>
             <p14:sldId id="271"/>
+            <p14:sldId id="317"/>
             <p14:sldId id="310"/>
             <p14:sldId id="272"/>
             <p14:sldId id="309"/>
@@ -934,7 +938,7 @@
           <a:p>
             <a:fld id="{974578CF-BAD5-493D-8CBE-FD3D274ABCE7}" type="datetimeFigureOut">
               <a:rPr lang="en-US" smtClean="0"/>
-              <a:t>10/13/2020</a:t>
+              <a:t>10/14/2020</a:t>
             </a:fld>
             <a:endParaRPr lang="en-US"/>
           </a:p>
@@ -1350,7 +1354,7 @@
           <a:p>
             <a:fld id="{F61CD7AC-94AE-4C9D-9823-1D165204130C}" type="slidenum">
               <a:rPr lang="en-US" smtClean="0"/>
-              <a:t>26</a:t>
+              <a:t>27</a:t>
             </a:fld>
             <a:endParaRPr lang="en-US"/>
           </a:p>
@@ -1434,7 +1438,7 @@
           <a:p>
             <a:fld id="{F61CD7AC-94AE-4C9D-9823-1D165204130C}" type="slidenum">
               <a:rPr lang="en-US" smtClean="0"/>
-              <a:t>28</a:t>
+              <a:t>29</a:t>
             </a:fld>
             <a:endParaRPr lang="en-US"/>
           </a:p>
@@ -1521,7 +1525,7 @@
           <a:p>
             <a:fld id="{F61CD7AC-94AE-4C9D-9823-1D165204130C}" type="slidenum">
               <a:rPr lang="en-US" smtClean="0"/>
-              <a:t>30</a:t>
+              <a:t>31</a:t>
             </a:fld>
             <a:endParaRPr lang="en-US"/>
           </a:p>
@@ -1608,7 +1612,7 @@
           <a:p>
             <a:fld id="{F61CD7AC-94AE-4C9D-9823-1D165204130C}" type="slidenum">
               <a:rPr lang="en-US" smtClean="0"/>
-              <a:t>32</a:t>
+              <a:t>33</a:t>
             </a:fld>
             <a:endParaRPr lang="en-US"/>
           </a:p>
@@ -1713,7 +1717,7 @@
           <a:p>
             <a:fld id="{F61CD7AC-94AE-4C9D-9823-1D165204130C}" type="slidenum">
               <a:rPr lang="en-US" smtClean="0"/>
-              <a:t>33</a:t>
+              <a:t>34</a:t>
             </a:fld>
             <a:endParaRPr lang="en-US"/>
           </a:p>
@@ -1778,13 +1782,25 @@
           <a:p>
             <a:r>
               <a:rPr lang="en-US" dirty="0"/>
-              <a:t>Tip: right click format document</a:t>
-            </a:r>
-          </a:p>
-          <a:p>
-            <a:r>
-              <a:rPr lang="en-US" dirty="0"/>
-              <a:t>Tip: hover quick fix</a:t>
+              <a:t>Note: Builds on each level</a:t>
+            </a:r>
+          </a:p>
+          <a:p>
+            <a:r>
+              <a:rPr lang="en-US" dirty="0"/>
+              <a:t>Each one adds to the interface</a:t>
+            </a:r>
+          </a:p>
+          <a:p>
+            <a:r>
+              <a:rPr lang="en-US" dirty="0"/>
+              <a:t>Each one adds to the constructor</a:t>
+            </a:r>
+          </a:p>
+          <a:p>
+            <a:r>
+              <a:rPr lang="en-US" dirty="0"/>
+              <a:t>Each one adds UI</a:t>
             </a:r>
           </a:p>
         </p:txBody>
@@ -1806,7 +1822,7 @@
           <a:p>
             <a:fld id="{F61CD7AC-94AE-4C9D-9823-1D165204130C}" type="slidenum">
               <a:rPr lang="en-US" smtClean="0"/>
-              <a:t>34</a:t>
+              <a:t>35</a:t>
             </a:fld>
             <a:endParaRPr lang="en-US"/>
           </a:p>
@@ -1815,7 +1831,7 @@
     </p:spTree>
     <p:extLst>
       <p:ext uri="{BB962C8B-B14F-4D97-AF65-F5344CB8AC3E}">
-        <p14:creationId xmlns:p14="http://schemas.microsoft.com/office/powerpoint/2010/main" val="811774009"/>
+        <p14:creationId xmlns:p14="http://schemas.microsoft.com/office/powerpoint/2010/main" val="3229721929"/>
       </p:ext>
     </p:extLst>
   </p:cSld>
@@ -1869,7 +1885,16 @@
           <a:bodyPr/>
           <a:lstStyle/>
           <a:p>
-            <a:endParaRPr lang="en-US" dirty="0"/>
+            <a:r>
+              <a:rPr lang="en-US" dirty="0"/>
+              <a:t>Tip: right click format document</a:t>
+            </a:r>
+          </a:p>
+          <a:p>
+            <a:r>
+              <a:rPr lang="en-US" dirty="0"/>
+              <a:t>Tip: hover quick fix</a:t>
+            </a:r>
           </a:p>
         </p:txBody>
       </p:sp>
@@ -2037,21 +2062,6 @@
           <a:bodyPr/>
           <a:lstStyle/>
           <a:p>
-            <a:r>
-              <a:rPr lang="en-US" dirty="0"/>
-              <a:t>Review different react lifecycle steps</a:t>
-            </a:r>
-          </a:p>
-          <a:p>
-            <a:endParaRPr lang="en-US" dirty="0"/>
-          </a:p>
-          <a:p>
-            <a:r>
-              <a:rPr lang="en-US" dirty="0"/>
-              <a:t>Challenging step, review completed solution for clarity if needed</a:t>
-            </a:r>
-          </a:p>
-          <a:p>
             <a:endParaRPr lang="en-US" dirty="0"/>
           </a:p>
         </p:txBody>
@@ -2138,8 +2148,20 @@
           <a:p>
             <a:r>
               <a:rPr lang="en-US" dirty="0"/>
-              <a:t>Complicated step, refer to solution for reference</a:t>
-            </a:r>
+              <a:t>Review different react lifecycle steps</a:t>
+            </a:r>
+          </a:p>
+          <a:p>
+            <a:endParaRPr lang="en-US" dirty="0"/>
+          </a:p>
+          <a:p>
+            <a:r>
+              <a:rPr lang="en-US" dirty="0"/>
+              <a:t>Challenging step, review completed solution for clarity if needed</a:t>
+            </a:r>
+          </a:p>
+          <a:p>
+            <a:endParaRPr lang="en-US" dirty="0"/>
           </a:p>
         </p:txBody>
       </p:sp>
@@ -2265,7 +2287,7 @@
           <a:p>
             <a:fld id="{F61CD7AC-94AE-4C9D-9823-1D165204130C}" type="slidenum">
               <a:rPr lang="en-US" smtClean="0"/>
-              <a:t>11</a:t>
+              <a:t>12</a:t>
             </a:fld>
             <a:endParaRPr lang="en-US"/>
           </a:p>
@@ -2328,7 +2350,10 @@
           <a:bodyPr/>
           <a:lstStyle/>
           <a:p>
-            <a:endParaRPr lang="en-US" dirty="0"/>
+            <a:r>
+              <a:rPr lang="en-US" dirty="0"/>
+              <a:t>Complicated step, refer to solution for reference</a:t>
+            </a:r>
           </a:p>
         </p:txBody>
       </p:sp>
@@ -2350,6 +2375,181 @@
             <a:fld id="{F61CD7AC-94AE-4C9D-9823-1D165204130C}" type="slidenum">
               <a:rPr lang="en-US" smtClean="0"/>
               <a:t>44</a:t>
+            </a:fld>
+            <a:endParaRPr lang="en-US"/>
+          </a:p>
+        </p:txBody>
+      </p:sp>
+    </p:spTree>
+    <p:extLst>
+      <p:ext uri="{BB962C8B-B14F-4D97-AF65-F5344CB8AC3E}">
+        <p14:creationId xmlns:p14="http://schemas.microsoft.com/office/powerpoint/2010/main" val="811774009"/>
+      </p:ext>
+    </p:extLst>
+  </p:cSld>
+  <p:clrMapOvr>
+    <a:masterClrMapping/>
+  </p:clrMapOvr>
+</p:notes>
+</file>
+
+<file path=ppt/notesSlides/notesSlide21.xml><?xml version="1.0" encoding="utf-8"?>
+<p:notes xmlns:a="http://schemas.openxmlformats.org/drawingml/2006/main" xmlns:r="http://schemas.openxmlformats.org/officeDocument/2006/relationships" xmlns:p="http://schemas.openxmlformats.org/presentationml/2006/main">
+  <p:cSld>
+    <p:spTree>
+      <p:nvGrpSpPr>
+        <p:cNvPr id="1" name=""/>
+        <p:cNvGrpSpPr/>
+        <p:nvPr/>
+      </p:nvGrpSpPr>
+      <p:grpSpPr>
+        <a:xfrm>
+          <a:off x="0" y="0"/>
+          <a:ext cx="0" cy="0"/>
+          <a:chOff x="0" y="0"/>
+          <a:chExt cx="0" cy="0"/>
+        </a:xfrm>
+      </p:grpSpPr>
+      <p:sp>
+        <p:nvSpPr>
+          <p:cNvPr id="2" name="Slide Image Placeholder 1"/>
+          <p:cNvSpPr>
+            <a:spLocks noGrp="1" noRot="1" noChangeAspect="1"/>
+          </p:cNvSpPr>
+          <p:nvPr>
+            <p:ph type="sldImg"/>
+          </p:nvPr>
+        </p:nvSpPr>
+        <p:spPr/>
+      </p:sp>
+      <p:sp>
+        <p:nvSpPr>
+          <p:cNvPr id="3" name="Notes Placeholder 2"/>
+          <p:cNvSpPr>
+            <a:spLocks noGrp="1"/>
+          </p:cNvSpPr>
+          <p:nvPr>
+            <p:ph type="body" idx="1"/>
+          </p:nvPr>
+        </p:nvSpPr>
+        <p:spPr/>
+        <p:txBody>
+          <a:bodyPr/>
+          <a:lstStyle/>
+          <a:p>
+            <a:r>
+              <a:rPr lang="en-US" dirty="0"/>
+              <a:t>Note: make sure line spaces are correct. </a:t>
+            </a:r>
+            <a:r>
+              <a:rPr lang="en-US"/>
+              <a:t>Syntax errors!</a:t>
+            </a:r>
+          </a:p>
+        </p:txBody>
+      </p:sp>
+      <p:sp>
+        <p:nvSpPr>
+          <p:cNvPr id="4" name="Slide Number Placeholder 3"/>
+          <p:cNvSpPr>
+            <a:spLocks noGrp="1"/>
+          </p:cNvSpPr>
+          <p:nvPr>
+            <p:ph type="sldNum" sz="quarter" idx="5"/>
+          </p:nvPr>
+        </p:nvSpPr>
+        <p:spPr/>
+        <p:txBody>
+          <a:bodyPr/>
+          <a:lstStyle/>
+          <a:p>
+            <a:fld id="{F61CD7AC-94AE-4C9D-9823-1D165204130C}" type="slidenum">
+              <a:rPr lang="en-US" smtClean="0"/>
+              <a:t>45</a:t>
+            </a:fld>
+            <a:endParaRPr lang="en-US"/>
+          </a:p>
+        </p:txBody>
+      </p:sp>
+    </p:spTree>
+    <p:extLst>
+      <p:ext uri="{BB962C8B-B14F-4D97-AF65-F5344CB8AC3E}">
+        <p14:creationId xmlns:p14="http://schemas.microsoft.com/office/powerpoint/2010/main" val="3410745196"/>
+      </p:ext>
+    </p:extLst>
+  </p:cSld>
+  <p:clrMapOvr>
+    <a:masterClrMapping/>
+  </p:clrMapOvr>
+</p:notes>
+</file>
+
+<file path=ppt/notesSlides/notesSlide22.xml><?xml version="1.0" encoding="utf-8"?>
+<p:notes xmlns:a="http://schemas.openxmlformats.org/drawingml/2006/main" xmlns:r="http://schemas.openxmlformats.org/officeDocument/2006/relationships" xmlns:p="http://schemas.openxmlformats.org/presentationml/2006/main">
+  <p:cSld>
+    <p:spTree>
+      <p:nvGrpSpPr>
+        <p:cNvPr id="1" name=""/>
+        <p:cNvGrpSpPr/>
+        <p:nvPr/>
+      </p:nvGrpSpPr>
+      <p:grpSpPr>
+        <a:xfrm>
+          <a:off x="0" y="0"/>
+          <a:ext cx="0" cy="0"/>
+          <a:chOff x="0" y="0"/>
+          <a:chExt cx="0" cy="0"/>
+        </a:xfrm>
+      </p:grpSpPr>
+      <p:sp>
+        <p:nvSpPr>
+          <p:cNvPr id="2" name="Slide Image Placeholder 1"/>
+          <p:cNvSpPr>
+            <a:spLocks noGrp="1" noRot="1" noChangeAspect="1"/>
+          </p:cNvSpPr>
+          <p:nvPr>
+            <p:ph type="sldImg"/>
+          </p:nvPr>
+        </p:nvSpPr>
+        <p:spPr/>
+      </p:sp>
+      <p:sp>
+        <p:nvSpPr>
+          <p:cNvPr id="3" name="Notes Placeholder 2"/>
+          <p:cNvSpPr>
+            <a:spLocks noGrp="1"/>
+          </p:cNvSpPr>
+          <p:nvPr>
+            <p:ph type="body" idx="1"/>
+          </p:nvPr>
+        </p:nvSpPr>
+        <p:spPr/>
+        <p:txBody>
+          <a:bodyPr/>
+          <a:lstStyle/>
+          <a:p>
+            <a:endParaRPr lang="en-US" dirty="0"/>
+          </a:p>
+        </p:txBody>
+      </p:sp>
+      <p:sp>
+        <p:nvSpPr>
+          <p:cNvPr id="4" name="Slide Number Placeholder 3"/>
+          <p:cNvSpPr>
+            <a:spLocks noGrp="1"/>
+          </p:cNvSpPr>
+          <p:nvPr>
+            <p:ph type="sldNum" sz="quarter" idx="5"/>
+          </p:nvPr>
+        </p:nvSpPr>
+        <p:spPr/>
+        <p:txBody>
+          <a:bodyPr/>
+          <a:lstStyle/>
+          <a:p>
+            <a:fld id="{F61CD7AC-94AE-4C9D-9823-1D165204130C}" type="slidenum">
+              <a:rPr lang="en-US" smtClean="0"/>
+              <a:t>46</a:t>
             </a:fld>
             <a:endParaRPr lang="en-US"/>
           </a:p>
@@ -2458,7 +2658,7 @@
           <a:p>
             <a:fld id="{F61CD7AC-94AE-4C9D-9823-1D165204130C}" type="slidenum">
               <a:rPr lang="en-US" smtClean="0"/>
-              <a:t>13</a:t>
+              <a:t>14</a:t>
             </a:fld>
             <a:endParaRPr lang="en-US"/>
           </a:p>
@@ -2545,7 +2745,7 @@
           <a:p>
             <a:fld id="{F61CD7AC-94AE-4C9D-9823-1D165204130C}" type="slidenum">
               <a:rPr lang="en-US" smtClean="0"/>
-              <a:t>15</a:t>
+              <a:t>16</a:t>
             </a:fld>
             <a:endParaRPr lang="en-US"/>
           </a:p>
@@ -2629,7 +2829,7 @@
           <a:p>
             <a:fld id="{F61CD7AC-94AE-4C9D-9823-1D165204130C}" type="slidenum">
               <a:rPr lang="en-US" smtClean="0"/>
-              <a:t>16</a:t>
+              <a:t>17</a:t>
             </a:fld>
             <a:endParaRPr lang="en-US"/>
           </a:p>
@@ -2742,7 +2942,7 @@
           <a:p>
             <a:fld id="{F61CD7AC-94AE-4C9D-9823-1D165204130C}" type="slidenum">
               <a:rPr lang="en-US" smtClean="0"/>
-              <a:t>18</a:t>
+              <a:t>19</a:t>
             </a:fld>
             <a:endParaRPr lang="en-US"/>
           </a:p>
@@ -2906,7 +3106,7 @@
           <a:p>
             <a:fld id="{F61CD7AC-94AE-4C9D-9823-1D165204130C}" type="slidenum">
               <a:rPr lang="en-US" smtClean="0"/>
-              <a:t>20</a:t>
+              <a:t>21</a:t>
             </a:fld>
             <a:endParaRPr lang="en-US"/>
           </a:p>
@@ -2990,7 +3190,7 @@
           <a:p>
             <a:fld id="{F61CD7AC-94AE-4C9D-9823-1D165204130C}" type="slidenum">
               <a:rPr lang="en-US" smtClean="0"/>
-              <a:t>22</a:t>
+              <a:t>23</a:t>
             </a:fld>
             <a:endParaRPr lang="en-US"/>
           </a:p>
@@ -3077,7 +3277,7 @@
           <a:p>
             <a:fld id="{F61CD7AC-94AE-4C9D-9823-1D165204130C}" type="slidenum">
               <a:rPr lang="en-US" smtClean="0"/>
-              <a:t>24</a:t>
+              <a:t>25</a:t>
             </a:fld>
             <a:endParaRPr lang="en-US"/>
           </a:p>
@@ -3243,7 +3443,7 @@
           <a:p>
             <a:fld id="{3A676C88-1C67-4A7A-A1A3-A796592AD6F9}" type="datetimeFigureOut">
               <a:rPr lang="en-US" smtClean="0"/>
-              <a:t>10/13/2020</a:t>
+              <a:t>10/14/2020</a:t>
             </a:fld>
             <a:endParaRPr lang="en-US"/>
           </a:p>
@@ -3441,7 +3641,7 @@
           <a:p>
             <a:fld id="{3A676C88-1C67-4A7A-A1A3-A796592AD6F9}" type="datetimeFigureOut">
               <a:rPr lang="en-US" smtClean="0"/>
-              <a:t>10/13/2020</a:t>
+              <a:t>10/14/2020</a:t>
             </a:fld>
             <a:endParaRPr lang="en-US"/>
           </a:p>
@@ -3649,7 +3849,7 @@
           <a:p>
             <a:fld id="{3A676C88-1C67-4A7A-A1A3-A796592AD6F9}" type="datetimeFigureOut">
               <a:rPr lang="en-US" smtClean="0"/>
-              <a:t>10/13/2020</a:t>
+              <a:t>10/14/2020</a:t>
             </a:fld>
             <a:endParaRPr lang="en-US"/>
           </a:p>
@@ -3847,7 +4047,7 @@
           <a:p>
             <a:fld id="{3A676C88-1C67-4A7A-A1A3-A796592AD6F9}" type="datetimeFigureOut">
               <a:rPr lang="en-US" smtClean="0"/>
-              <a:t>10/13/2020</a:t>
+              <a:t>10/14/2020</a:t>
             </a:fld>
             <a:endParaRPr lang="en-US"/>
           </a:p>
@@ -4122,7 +4322,7 @@
           <a:p>
             <a:fld id="{3A676C88-1C67-4A7A-A1A3-A796592AD6F9}" type="datetimeFigureOut">
               <a:rPr lang="en-US" smtClean="0"/>
-              <a:t>10/13/2020</a:t>
+              <a:t>10/14/2020</a:t>
             </a:fld>
             <a:endParaRPr lang="en-US"/>
           </a:p>
@@ -4387,7 +4587,7 @@
           <a:p>
             <a:fld id="{3A676C88-1C67-4A7A-A1A3-A796592AD6F9}" type="datetimeFigureOut">
               <a:rPr lang="en-US" smtClean="0"/>
-              <a:t>10/13/2020</a:t>
+              <a:t>10/14/2020</a:t>
             </a:fld>
             <a:endParaRPr lang="en-US"/>
           </a:p>
@@ -4799,7 +4999,7 @@
           <a:p>
             <a:fld id="{3A676C88-1C67-4A7A-A1A3-A796592AD6F9}" type="datetimeFigureOut">
               <a:rPr lang="en-US" smtClean="0"/>
-              <a:t>10/13/2020</a:t>
+              <a:t>10/14/2020</a:t>
             </a:fld>
             <a:endParaRPr lang="en-US"/>
           </a:p>
@@ -4940,7 +5140,7 @@
           <a:p>
             <a:fld id="{3A676C88-1C67-4A7A-A1A3-A796592AD6F9}" type="datetimeFigureOut">
               <a:rPr lang="en-US" smtClean="0"/>
-              <a:t>10/13/2020</a:t>
+              <a:t>10/14/2020</a:t>
             </a:fld>
             <a:endParaRPr lang="en-US"/>
           </a:p>
@@ -5053,7 +5253,7 @@
           <a:p>
             <a:fld id="{3A676C88-1C67-4A7A-A1A3-A796592AD6F9}" type="datetimeFigureOut">
               <a:rPr lang="en-US" smtClean="0"/>
-              <a:t>10/13/2020</a:t>
+              <a:t>10/14/2020</a:t>
             </a:fld>
             <a:endParaRPr lang="en-US"/>
           </a:p>
@@ -5364,7 +5564,7 @@
           <a:p>
             <a:fld id="{3A676C88-1C67-4A7A-A1A3-A796592AD6F9}" type="datetimeFigureOut">
               <a:rPr lang="en-US" smtClean="0"/>
-              <a:t>10/13/2020</a:t>
+              <a:t>10/14/2020</a:t>
             </a:fld>
             <a:endParaRPr lang="en-US"/>
           </a:p>
@@ -5652,7 +5852,7 @@
           <a:p>
             <a:fld id="{3A676C88-1C67-4A7A-A1A3-A796592AD6F9}" type="datetimeFigureOut">
               <a:rPr lang="en-US" smtClean="0"/>
-              <a:t>10/13/2020</a:t>
+              <a:t>10/14/2020</a:t>
             </a:fld>
             <a:endParaRPr lang="en-US"/>
           </a:p>
@@ -5893,7 +6093,7 @@
           <a:p>
             <a:fld id="{3A676C88-1C67-4A7A-A1A3-A796592AD6F9}" type="datetimeFigureOut">
               <a:rPr lang="en-US" smtClean="0"/>
-              <a:t>10/13/2020</a:t>
+              <a:t>10/14/2020</a:t>
             </a:fld>
             <a:endParaRPr lang="en-US"/>
           </a:p>
@@ -6398,7 +6598,7 @@
           <p:cNvPr id="2" name="Title 1">
             <a:extLst>
               <a:ext uri="{FF2B5EF4-FFF2-40B4-BE49-F238E27FC236}">
-                <a16:creationId xmlns:a16="http://schemas.microsoft.com/office/drawing/2014/main" id="{6E6EEEC5-2095-4DAF-B337-23DF8E0570A4}"/>
+                <a16:creationId xmlns:a16="http://schemas.microsoft.com/office/drawing/2014/main" id="{059E1B9C-FEB8-40F8-A929-0082E4D4FC53}"/>
               </a:ext>
             </a:extLst>
           </p:cNvPr>
@@ -6416,40 +6616,49 @@
           <a:p>
             <a:r>
               <a:rPr lang="en-US" dirty="0"/>
-              <a:t>Function App Setup</a:t>
-            </a:r>
-          </a:p>
-        </p:txBody>
-      </p:sp>
-      <p:sp>
-        <p:nvSpPr>
-          <p:cNvPr id="3" name="Text Placeholder 2">
-            <a:extLst>
-              <a:ext uri="{FF2B5EF4-FFF2-40B4-BE49-F238E27FC236}">
-                <a16:creationId xmlns:a16="http://schemas.microsoft.com/office/drawing/2014/main" id="{3C4B6F7C-3F40-42FB-B792-9810804008A0}"/>
-              </a:ext>
-            </a:extLst>
-          </p:cNvPr>
-          <p:cNvSpPr>
-            <a:spLocks noGrp="1"/>
-          </p:cNvSpPr>
-          <p:nvPr>
-            <p:ph type="body" idx="1"/>
-          </p:nvPr>
-        </p:nvSpPr>
-        <p:spPr/>
-        <p:txBody>
-          <a:bodyPr/>
-          <a:lstStyle/>
-          <a:p>
-            <a:endParaRPr lang="en-US"/>
+              <a:t>Overview</a:t>
+            </a:r>
+          </a:p>
+        </p:txBody>
+      </p:sp>
+      <p:sp>
+        <p:nvSpPr>
+          <p:cNvPr id="3" name="Content Placeholder 2">
+            <a:extLst>
+              <a:ext uri="{FF2B5EF4-FFF2-40B4-BE49-F238E27FC236}">
+                <a16:creationId xmlns:a16="http://schemas.microsoft.com/office/drawing/2014/main" id="{1EB54DB6-3695-40C7-9E93-CBA31280748B}"/>
+              </a:ext>
+            </a:extLst>
+          </p:cNvPr>
+          <p:cNvSpPr>
+            <a:spLocks noGrp="1"/>
+          </p:cNvSpPr>
+          <p:nvPr>
+            <p:ph idx="1"/>
+          </p:nvPr>
+        </p:nvSpPr>
+        <p:spPr/>
+        <p:txBody>
+          <a:bodyPr/>
+          <a:lstStyle/>
+          <a:p>
+            <a:r>
+              <a:rPr lang="en-US" dirty="0"/>
+              <a:t>Create middle tier</a:t>
+            </a:r>
+          </a:p>
+          <a:p>
+            <a:r>
+              <a:rPr lang="en-US" dirty="0"/>
+              <a:t>Create database</a:t>
+            </a:r>
           </a:p>
         </p:txBody>
       </p:sp>
     </p:spTree>
     <p:extLst>
       <p:ext uri="{BB962C8B-B14F-4D97-AF65-F5344CB8AC3E}">
-        <p14:creationId xmlns:p14="http://schemas.microsoft.com/office/powerpoint/2010/main" val="3664289940"/>
+        <p14:creationId xmlns:p14="http://schemas.microsoft.com/office/powerpoint/2010/main" val="174168454"/>
       </p:ext>
     </p:extLst>
   </p:cSld>
@@ -6481,7 +6690,7 @@
           <p:cNvPr id="2" name="Title 1">
             <a:extLst>
               <a:ext uri="{FF2B5EF4-FFF2-40B4-BE49-F238E27FC236}">
-                <a16:creationId xmlns:a16="http://schemas.microsoft.com/office/drawing/2014/main" id="{AEE831BE-B459-46C5-835D-27976477225B}"/>
+                <a16:creationId xmlns:a16="http://schemas.microsoft.com/office/drawing/2014/main" id="{6E6EEEC5-2095-4DAF-B337-23DF8E0570A4}"/>
               </a:ext>
             </a:extLst>
           </p:cNvPr>
@@ -6499,58 +6708,40 @@
           <a:p>
             <a:r>
               <a:rPr lang="en-US" dirty="0"/>
-              <a:t>Lessons learned</a:t>
-            </a:r>
-          </a:p>
-        </p:txBody>
-      </p:sp>
-      <p:sp>
-        <p:nvSpPr>
-          <p:cNvPr id="3" name="Content Placeholder 2">
-            <a:extLst>
-              <a:ext uri="{FF2B5EF4-FFF2-40B4-BE49-F238E27FC236}">
-                <a16:creationId xmlns:a16="http://schemas.microsoft.com/office/drawing/2014/main" id="{6F0669C6-8AD6-43FF-8CE2-9D42DEB7B508}"/>
-              </a:ext>
-            </a:extLst>
-          </p:cNvPr>
-          <p:cNvSpPr>
-            <a:spLocks noGrp="1"/>
-          </p:cNvSpPr>
-          <p:nvPr>
-            <p:ph idx="1"/>
-          </p:nvPr>
-        </p:nvSpPr>
-        <p:spPr/>
-        <p:txBody>
-          <a:bodyPr/>
-          <a:lstStyle/>
-          <a:p>
-            <a:r>
-              <a:rPr lang="en-US" dirty="0"/>
-              <a:t>Binding vs Static</a:t>
-            </a:r>
-          </a:p>
-          <a:p>
-            <a:r>
-              <a:rPr lang="en-US" dirty="0"/>
-              <a:t>CORS</a:t>
-            </a:r>
-          </a:p>
-          <a:p>
-            <a:r>
-              <a:rPr lang="en-US" dirty="0"/>
-              <a:t>Execution policy</a:t>
-            </a:r>
-          </a:p>
-          <a:p>
-            <a:endParaRPr lang="en-US" dirty="0"/>
+              <a:t>Function App Setup</a:t>
+            </a:r>
+          </a:p>
+        </p:txBody>
+      </p:sp>
+      <p:sp>
+        <p:nvSpPr>
+          <p:cNvPr id="3" name="Text Placeholder 2">
+            <a:extLst>
+              <a:ext uri="{FF2B5EF4-FFF2-40B4-BE49-F238E27FC236}">
+                <a16:creationId xmlns:a16="http://schemas.microsoft.com/office/drawing/2014/main" id="{3C4B6F7C-3F40-42FB-B792-9810804008A0}"/>
+              </a:ext>
+            </a:extLst>
+          </p:cNvPr>
+          <p:cNvSpPr>
+            <a:spLocks noGrp="1"/>
+          </p:cNvSpPr>
+          <p:nvPr>
+            <p:ph type="body" idx="1"/>
+          </p:nvPr>
+        </p:nvSpPr>
+        <p:spPr/>
+        <p:txBody>
+          <a:bodyPr/>
+          <a:lstStyle/>
+          <a:p>
+            <a:endParaRPr lang="en-US"/>
           </a:p>
         </p:txBody>
       </p:sp>
     </p:spTree>
     <p:extLst>
       <p:ext uri="{BB962C8B-B14F-4D97-AF65-F5344CB8AC3E}">
-        <p14:creationId xmlns:p14="http://schemas.microsoft.com/office/powerpoint/2010/main" val="3174020497"/>
+        <p14:creationId xmlns:p14="http://schemas.microsoft.com/office/powerpoint/2010/main" val="3664289940"/>
       </p:ext>
     </p:extLst>
   </p:cSld>
@@ -6582,7 +6773,7 @@
           <p:cNvPr id="2" name="Title 1">
             <a:extLst>
               <a:ext uri="{FF2B5EF4-FFF2-40B4-BE49-F238E27FC236}">
-                <a16:creationId xmlns:a16="http://schemas.microsoft.com/office/drawing/2014/main" id="{6E6EEEC5-2095-4DAF-B337-23DF8E0570A4}"/>
+                <a16:creationId xmlns:a16="http://schemas.microsoft.com/office/drawing/2014/main" id="{AEE831BE-B459-46C5-835D-27976477225B}"/>
               </a:ext>
             </a:extLst>
           </p:cNvPr>
@@ -6600,40 +6791,58 @@
           <a:p>
             <a:r>
               <a:rPr lang="en-US" dirty="0"/>
-              <a:t>Build data store</a:t>
-            </a:r>
-          </a:p>
-        </p:txBody>
-      </p:sp>
-      <p:sp>
-        <p:nvSpPr>
-          <p:cNvPr id="3" name="Text Placeholder 2">
-            <a:extLst>
-              <a:ext uri="{FF2B5EF4-FFF2-40B4-BE49-F238E27FC236}">
-                <a16:creationId xmlns:a16="http://schemas.microsoft.com/office/drawing/2014/main" id="{3C4B6F7C-3F40-42FB-B792-9810804008A0}"/>
-              </a:ext>
-            </a:extLst>
-          </p:cNvPr>
-          <p:cNvSpPr>
-            <a:spLocks noGrp="1"/>
-          </p:cNvSpPr>
-          <p:nvPr>
-            <p:ph type="body" idx="1"/>
-          </p:nvPr>
-        </p:nvSpPr>
-        <p:spPr/>
-        <p:txBody>
-          <a:bodyPr/>
-          <a:lstStyle/>
-          <a:p>
-            <a:endParaRPr lang="en-US"/>
+              <a:t>Lessons learned</a:t>
+            </a:r>
+          </a:p>
+        </p:txBody>
+      </p:sp>
+      <p:sp>
+        <p:nvSpPr>
+          <p:cNvPr id="3" name="Content Placeholder 2">
+            <a:extLst>
+              <a:ext uri="{FF2B5EF4-FFF2-40B4-BE49-F238E27FC236}">
+                <a16:creationId xmlns:a16="http://schemas.microsoft.com/office/drawing/2014/main" id="{6F0669C6-8AD6-43FF-8CE2-9D42DEB7B508}"/>
+              </a:ext>
+            </a:extLst>
+          </p:cNvPr>
+          <p:cNvSpPr>
+            <a:spLocks noGrp="1"/>
+          </p:cNvSpPr>
+          <p:nvPr>
+            <p:ph idx="1"/>
+          </p:nvPr>
+        </p:nvSpPr>
+        <p:spPr/>
+        <p:txBody>
+          <a:bodyPr/>
+          <a:lstStyle/>
+          <a:p>
+            <a:r>
+              <a:rPr lang="en-US" dirty="0"/>
+              <a:t>Binding vs Static</a:t>
+            </a:r>
+          </a:p>
+          <a:p>
+            <a:r>
+              <a:rPr lang="en-US" dirty="0"/>
+              <a:t>CORS</a:t>
+            </a:r>
+          </a:p>
+          <a:p>
+            <a:r>
+              <a:rPr lang="en-US" dirty="0"/>
+              <a:t>Execution policy</a:t>
+            </a:r>
+          </a:p>
+          <a:p>
+            <a:endParaRPr lang="en-US" dirty="0"/>
           </a:p>
         </p:txBody>
       </p:sp>
     </p:spTree>
     <p:extLst>
       <p:ext uri="{BB962C8B-B14F-4D97-AF65-F5344CB8AC3E}">
-        <p14:creationId xmlns:p14="http://schemas.microsoft.com/office/powerpoint/2010/main" val="2619196021"/>
+        <p14:creationId xmlns:p14="http://schemas.microsoft.com/office/powerpoint/2010/main" val="3174020497"/>
       </p:ext>
     </p:extLst>
   </p:cSld>
@@ -6665,7 +6874,7 @@
           <p:cNvPr id="2" name="Title 1">
             <a:extLst>
               <a:ext uri="{FF2B5EF4-FFF2-40B4-BE49-F238E27FC236}">
-                <a16:creationId xmlns:a16="http://schemas.microsoft.com/office/drawing/2014/main" id="{AEE831BE-B459-46C5-835D-27976477225B}"/>
+                <a16:creationId xmlns:a16="http://schemas.microsoft.com/office/drawing/2014/main" id="{6E6EEEC5-2095-4DAF-B337-23DF8E0570A4}"/>
               </a:ext>
             </a:extLst>
           </p:cNvPr>
@@ -6683,52 +6892,40 @@
           <a:p>
             <a:r>
               <a:rPr lang="en-US" dirty="0"/>
-              <a:t>Lessons learned</a:t>
-            </a:r>
-          </a:p>
-        </p:txBody>
-      </p:sp>
-      <p:sp>
-        <p:nvSpPr>
-          <p:cNvPr id="3" name="Content Placeholder 2">
-            <a:extLst>
-              <a:ext uri="{FF2B5EF4-FFF2-40B4-BE49-F238E27FC236}">
-                <a16:creationId xmlns:a16="http://schemas.microsoft.com/office/drawing/2014/main" id="{6F0669C6-8AD6-43FF-8CE2-9D42DEB7B508}"/>
-              </a:ext>
-            </a:extLst>
-          </p:cNvPr>
-          <p:cNvSpPr>
-            <a:spLocks noGrp="1"/>
-          </p:cNvSpPr>
-          <p:nvPr>
-            <p:ph idx="1"/>
-          </p:nvPr>
-        </p:nvSpPr>
-        <p:spPr/>
-        <p:txBody>
-          <a:bodyPr/>
-          <a:lstStyle/>
-          <a:p>
-            <a:r>
-              <a:rPr lang="en-US" dirty="0"/>
-              <a:t>Straight forward</a:t>
-            </a:r>
-          </a:p>
-          <a:p>
-            <a:r>
-              <a:rPr lang="en-US" dirty="0"/>
-              <a:t>API types</a:t>
-            </a:r>
-          </a:p>
-          <a:p>
-            <a:endParaRPr lang="en-US" dirty="0"/>
+              <a:t>Build data store</a:t>
+            </a:r>
+          </a:p>
+        </p:txBody>
+      </p:sp>
+      <p:sp>
+        <p:nvSpPr>
+          <p:cNvPr id="3" name="Text Placeholder 2">
+            <a:extLst>
+              <a:ext uri="{FF2B5EF4-FFF2-40B4-BE49-F238E27FC236}">
+                <a16:creationId xmlns:a16="http://schemas.microsoft.com/office/drawing/2014/main" id="{3C4B6F7C-3F40-42FB-B792-9810804008A0}"/>
+              </a:ext>
+            </a:extLst>
+          </p:cNvPr>
+          <p:cNvSpPr>
+            <a:spLocks noGrp="1"/>
+          </p:cNvSpPr>
+          <p:nvPr>
+            <p:ph type="body" idx="1"/>
+          </p:nvPr>
+        </p:nvSpPr>
+        <p:spPr/>
+        <p:txBody>
+          <a:bodyPr/>
+          <a:lstStyle/>
+          <a:p>
+            <a:endParaRPr lang="en-US"/>
           </a:p>
         </p:txBody>
       </p:sp>
     </p:spTree>
     <p:extLst>
       <p:ext uri="{BB962C8B-B14F-4D97-AF65-F5344CB8AC3E}">
-        <p14:creationId xmlns:p14="http://schemas.microsoft.com/office/powerpoint/2010/main" val="1342675078"/>
+        <p14:creationId xmlns:p14="http://schemas.microsoft.com/office/powerpoint/2010/main" val="2619196021"/>
       </p:ext>
     </p:extLst>
   </p:cSld>
@@ -6760,6 +6957,101 @@
           <p:cNvPr id="2" name="Title 1">
             <a:extLst>
               <a:ext uri="{FF2B5EF4-FFF2-40B4-BE49-F238E27FC236}">
+                <a16:creationId xmlns:a16="http://schemas.microsoft.com/office/drawing/2014/main" id="{AEE831BE-B459-46C5-835D-27976477225B}"/>
+              </a:ext>
+            </a:extLst>
+          </p:cNvPr>
+          <p:cNvSpPr>
+            <a:spLocks noGrp="1"/>
+          </p:cNvSpPr>
+          <p:nvPr>
+            <p:ph type="title"/>
+          </p:nvPr>
+        </p:nvSpPr>
+        <p:spPr/>
+        <p:txBody>
+          <a:bodyPr/>
+          <a:lstStyle/>
+          <a:p>
+            <a:r>
+              <a:rPr lang="en-US" dirty="0"/>
+              <a:t>Lessons learned</a:t>
+            </a:r>
+          </a:p>
+        </p:txBody>
+      </p:sp>
+      <p:sp>
+        <p:nvSpPr>
+          <p:cNvPr id="3" name="Content Placeholder 2">
+            <a:extLst>
+              <a:ext uri="{FF2B5EF4-FFF2-40B4-BE49-F238E27FC236}">
+                <a16:creationId xmlns:a16="http://schemas.microsoft.com/office/drawing/2014/main" id="{6F0669C6-8AD6-43FF-8CE2-9D42DEB7B508}"/>
+              </a:ext>
+            </a:extLst>
+          </p:cNvPr>
+          <p:cNvSpPr>
+            <a:spLocks noGrp="1"/>
+          </p:cNvSpPr>
+          <p:nvPr>
+            <p:ph idx="1"/>
+          </p:nvPr>
+        </p:nvSpPr>
+        <p:spPr/>
+        <p:txBody>
+          <a:bodyPr/>
+          <a:lstStyle/>
+          <a:p>
+            <a:r>
+              <a:rPr lang="en-US" dirty="0"/>
+              <a:t>Straight forward</a:t>
+            </a:r>
+          </a:p>
+          <a:p>
+            <a:r>
+              <a:rPr lang="en-US" dirty="0"/>
+              <a:t>API types</a:t>
+            </a:r>
+          </a:p>
+          <a:p>
+            <a:endParaRPr lang="en-US" dirty="0"/>
+          </a:p>
+        </p:txBody>
+      </p:sp>
+    </p:spTree>
+    <p:extLst>
+      <p:ext uri="{BB962C8B-B14F-4D97-AF65-F5344CB8AC3E}">
+        <p14:creationId xmlns:p14="http://schemas.microsoft.com/office/powerpoint/2010/main" val="1342675078"/>
+      </p:ext>
+    </p:extLst>
+  </p:cSld>
+  <p:clrMapOvr>
+    <a:masterClrMapping/>
+  </p:clrMapOvr>
+</p:sld>
+</file>
+
+<file path=ppt/slides/slide15.xml><?xml version="1.0" encoding="utf-8"?>
+<p:sld xmlns:a="http://schemas.openxmlformats.org/drawingml/2006/main" xmlns:r="http://schemas.openxmlformats.org/officeDocument/2006/relationships" xmlns:p="http://schemas.openxmlformats.org/presentationml/2006/main">
+  <p:cSld>
+    <p:spTree>
+      <p:nvGrpSpPr>
+        <p:cNvPr id="1" name=""/>
+        <p:cNvGrpSpPr/>
+        <p:nvPr/>
+      </p:nvGrpSpPr>
+      <p:grpSpPr>
+        <a:xfrm>
+          <a:off x="0" y="0"/>
+          <a:ext cx="0" cy="0"/>
+          <a:chOff x="0" y="0"/>
+          <a:chExt cx="0" cy="0"/>
+        </a:xfrm>
+      </p:grpSpPr>
+      <p:sp>
+        <p:nvSpPr>
+          <p:cNvPr id="2" name="Title 1">
+            <a:extLst>
+              <a:ext uri="{FF2B5EF4-FFF2-40B4-BE49-F238E27FC236}">
                 <a16:creationId xmlns:a16="http://schemas.microsoft.com/office/drawing/2014/main" id="{6E6EEEC5-2095-4DAF-B337-23DF8E0570A4}"/>
               </a:ext>
             </a:extLst>
@@ -6821,7 +7113,7 @@
 </p:sld>
 </file>
 
-<file path=ppt/slides/slide15.xml><?xml version="1.0" encoding="utf-8"?>
+<file path=ppt/slides/slide16.xml><?xml version="1.0" encoding="utf-8"?>
 <p:sld xmlns:a="http://schemas.openxmlformats.org/drawingml/2006/main" xmlns:r="http://schemas.openxmlformats.org/officeDocument/2006/relationships" xmlns:p="http://schemas.openxmlformats.org/presentationml/2006/main">
   <p:cSld>
     <p:spTree>
@@ -6940,7 +7232,7 @@
 </p:sld>
 </file>
 
-<file path=ppt/slides/slide16.xml><?xml version="1.0" encoding="utf-8"?>
+<file path=ppt/slides/slide17.xml><?xml version="1.0" encoding="utf-8"?>
 <p:sld xmlns:a="http://schemas.openxmlformats.org/drawingml/2006/main" xmlns:r="http://schemas.openxmlformats.org/officeDocument/2006/relationships" xmlns:p="http://schemas.openxmlformats.org/presentationml/2006/main">
   <p:cSld>
     <p:spTree>
@@ -7063,89 +7355,6 @@
 </p:sld>
 </file>
 
-<file path=ppt/slides/slide17.xml><?xml version="1.0" encoding="utf-8"?>
-<p:sld xmlns:a="http://schemas.openxmlformats.org/drawingml/2006/main" xmlns:r="http://schemas.openxmlformats.org/officeDocument/2006/relationships" xmlns:p="http://schemas.openxmlformats.org/presentationml/2006/main">
-  <p:cSld>
-    <p:spTree>
-      <p:nvGrpSpPr>
-        <p:cNvPr id="1" name=""/>
-        <p:cNvGrpSpPr/>
-        <p:nvPr/>
-      </p:nvGrpSpPr>
-      <p:grpSpPr>
-        <a:xfrm>
-          <a:off x="0" y="0"/>
-          <a:ext cx="0" cy="0"/>
-          <a:chOff x="0" y="0"/>
-          <a:chExt cx="0" cy="0"/>
-        </a:xfrm>
-      </p:grpSpPr>
-      <p:sp>
-        <p:nvSpPr>
-          <p:cNvPr id="2" name="Title 1">
-            <a:extLst>
-              <a:ext uri="{FF2B5EF4-FFF2-40B4-BE49-F238E27FC236}">
-                <a16:creationId xmlns:a16="http://schemas.microsoft.com/office/drawing/2014/main" id="{6E6EEEC5-2095-4DAF-B337-23DF8E0570A4}"/>
-              </a:ext>
-            </a:extLst>
-          </p:cNvPr>
-          <p:cNvSpPr>
-            <a:spLocks noGrp="1"/>
-          </p:cNvSpPr>
-          <p:nvPr>
-            <p:ph type="title"/>
-          </p:nvPr>
-        </p:nvSpPr>
-        <p:spPr/>
-        <p:txBody>
-          <a:bodyPr/>
-          <a:lstStyle/>
-          <a:p>
-            <a:r>
-              <a:rPr lang="en-US" dirty="0"/>
-              <a:t>Create storage container</a:t>
-            </a:r>
-          </a:p>
-        </p:txBody>
-      </p:sp>
-      <p:sp>
-        <p:nvSpPr>
-          <p:cNvPr id="3" name="Text Placeholder 2">
-            <a:extLst>
-              <a:ext uri="{FF2B5EF4-FFF2-40B4-BE49-F238E27FC236}">
-                <a16:creationId xmlns:a16="http://schemas.microsoft.com/office/drawing/2014/main" id="{3C4B6F7C-3F40-42FB-B792-9810804008A0}"/>
-              </a:ext>
-            </a:extLst>
-          </p:cNvPr>
-          <p:cNvSpPr>
-            <a:spLocks noGrp="1"/>
-          </p:cNvSpPr>
-          <p:nvPr>
-            <p:ph type="body" idx="1"/>
-          </p:nvPr>
-        </p:nvSpPr>
-        <p:spPr/>
-        <p:txBody>
-          <a:bodyPr/>
-          <a:lstStyle/>
-          <a:p>
-            <a:endParaRPr lang="en-US"/>
-          </a:p>
-        </p:txBody>
-      </p:sp>
-    </p:spTree>
-    <p:extLst>
-      <p:ext uri="{BB962C8B-B14F-4D97-AF65-F5344CB8AC3E}">
-        <p14:creationId xmlns:p14="http://schemas.microsoft.com/office/powerpoint/2010/main" val="2873768192"/>
-      </p:ext>
-    </p:extLst>
-  </p:cSld>
-  <p:clrMapOvr>
-    <a:masterClrMapping/>
-  </p:clrMapOvr>
-</p:sld>
-</file>
-
 <file path=ppt/slides/slide18.xml><?xml version="1.0" encoding="utf-8"?>
 <p:sld xmlns:a="http://schemas.openxmlformats.org/drawingml/2006/main" xmlns:r="http://schemas.openxmlformats.org/officeDocument/2006/relationships" xmlns:p="http://schemas.openxmlformats.org/presentationml/2006/main">
   <p:cSld>
@@ -7168,7 +7377,7 @@
           <p:cNvPr id="2" name="Title 1">
             <a:extLst>
               <a:ext uri="{FF2B5EF4-FFF2-40B4-BE49-F238E27FC236}">
-                <a16:creationId xmlns:a16="http://schemas.microsoft.com/office/drawing/2014/main" id="{AEE831BE-B459-46C5-835D-27976477225B}"/>
+                <a16:creationId xmlns:a16="http://schemas.microsoft.com/office/drawing/2014/main" id="{6E6EEEC5-2095-4DAF-B337-23DF8E0570A4}"/>
               </a:ext>
             </a:extLst>
           </p:cNvPr>
@@ -7186,58 +7395,40 @@
           <a:p>
             <a:r>
               <a:rPr lang="en-US" dirty="0"/>
-              <a:t>Lessons learned</a:t>
-            </a:r>
-          </a:p>
-        </p:txBody>
-      </p:sp>
-      <p:sp>
-        <p:nvSpPr>
-          <p:cNvPr id="3" name="Content Placeholder 2">
-            <a:extLst>
-              <a:ext uri="{FF2B5EF4-FFF2-40B4-BE49-F238E27FC236}">
-                <a16:creationId xmlns:a16="http://schemas.microsoft.com/office/drawing/2014/main" id="{6F0669C6-8AD6-43FF-8CE2-9D42DEB7B508}"/>
-              </a:ext>
-            </a:extLst>
-          </p:cNvPr>
-          <p:cNvSpPr>
-            <a:spLocks noGrp="1"/>
-          </p:cNvSpPr>
-          <p:nvPr>
-            <p:ph idx="1"/>
-          </p:nvPr>
-        </p:nvSpPr>
-        <p:spPr/>
-        <p:txBody>
-          <a:bodyPr/>
-          <a:lstStyle/>
-          <a:p>
-            <a:r>
-              <a:rPr lang="en-US" dirty="0"/>
-              <a:t>Cosmos vs Storage</a:t>
-            </a:r>
-          </a:p>
-          <a:p>
-            <a:r>
-              <a:rPr lang="en-US" dirty="0"/>
-              <a:t>RU</a:t>
-            </a:r>
-          </a:p>
-          <a:p>
-            <a:r>
-              <a:rPr lang="en-US" dirty="0"/>
-              <a:t>Partition key</a:t>
-            </a:r>
-          </a:p>
-          <a:p>
-            <a:endParaRPr lang="en-US" dirty="0"/>
+              <a:t>Create storage container</a:t>
+            </a:r>
+          </a:p>
+        </p:txBody>
+      </p:sp>
+      <p:sp>
+        <p:nvSpPr>
+          <p:cNvPr id="3" name="Text Placeholder 2">
+            <a:extLst>
+              <a:ext uri="{FF2B5EF4-FFF2-40B4-BE49-F238E27FC236}">
+                <a16:creationId xmlns:a16="http://schemas.microsoft.com/office/drawing/2014/main" id="{3C4B6F7C-3F40-42FB-B792-9810804008A0}"/>
+              </a:ext>
+            </a:extLst>
+          </p:cNvPr>
+          <p:cNvSpPr>
+            <a:spLocks noGrp="1"/>
+          </p:cNvSpPr>
+          <p:nvPr>
+            <p:ph type="body" idx="1"/>
+          </p:nvPr>
+        </p:nvSpPr>
+        <p:spPr/>
+        <p:txBody>
+          <a:bodyPr/>
+          <a:lstStyle/>
+          <a:p>
+            <a:endParaRPr lang="en-US"/>
           </a:p>
         </p:txBody>
       </p:sp>
     </p:spTree>
     <p:extLst>
       <p:ext uri="{BB962C8B-B14F-4D97-AF65-F5344CB8AC3E}">
-        <p14:creationId xmlns:p14="http://schemas.microsoft.com/office/powerpoint/2010/main" val="3199557068"/>
+        <p14:creationId xmlns:p14="http://schemas.microsoft.com/office/powerpoint/2010/main" val="2873768192"/>
       </p:ext>
     </p:extLst>
   </p:cSld>
@@ -7269,7 +7460,7 @@
           <p:cNvPr id="2" name="Title 1">
             <a:extLst>
               <a:ext uri="{FF2B5EF4-FFF2-40B4-BE49-F238E27FC236}">
-                <a16:creationId xmlns:a16="http://schemas.microsoft.com/office/drawing/2014/main" id="{6E6EEEC5-2095-4DAF-B337-23DF8E0570A4}"/>
+                <a16:creationId xmlns:a16="http://schemas.microsoft.com/office/drawing/2014/main" id="{AEE831BE-B459-46C5-835D-27976477225B}"/>
               </a:ext>
             </a:extLst>
           </p:cNvPr>
@@ -7287,40 +7478,58 @@
           <a:p>
             <a:r>
               <a:rPr lang="en-US" dirty="0"/>
-              <a:t>Setup Cosmos</a:t>
-            </a:r>
-          </a:p>
-        </p:txBody>
-      </p:sp>
-      <p:sp>
-        <p:nvSpPr>
-          <p:cNvPr id="3" name="Text Placeholder 2">
-            <a:extLst>
-              <a:ext uri="{FF2B5EF4-FFF2-40B4-BE49-F238E27FC236}">
-                <a16:creationId xmlns:a16="http://schemas.microsoft.com/office/drawing/2014/main" id="{3C4B6F7C-3F40-42FB-B792-9810804008A0}"/>
-              </a:ext>
-            </a:extLst>
-          </p:cNvPr>
-          <p:cNvSpPr>
-            <a:spLocks noGrp="1"/>
-          </p:cNvSpPr>
-          <p:nvPr>
-            <p:ph type="body" idx="1"/>
-          </p:nvPr>
-        </p:nvSpPr>
-        <p:spPr/>
-        <p:txBody>
-          <a:bodyPr/>
-          <a:lstStyle/>
-          <a:p>
-            <a:endParaRPr lang="en-US"/>
+              <a:t>Lessons learned</a:t>
+            </a:r>
+          </a:p>
+        </p:txBody>
+      </p:sp>
+      <p:sp>
+        <p:nvSpPr>
+          <p:cNvPr id="3" name="Content Placeholder 2">
+            <a:extLst>
+              <a:ext uri="{FF2B5EF4-FFF2-40B4-BE49-F238E27FC236}">
+                <a16:creationId xmlns:a16="http://schemas.microsoft.com/office/drawing/2014/main" id="{6F0669C6-8AD6-43FF-8CE2-9D42DEB7B508}"/>
+              </a:ext>
+            </a:extLst>
+          </p:cNvPr>
+          <p:cNvSpPr>
+            <a:spLocks noGrp="1"/>
+          </p:cNvSpPr>
+          <p:nvPr>
+            <p:ph idx="1"/>
+          </p:nvPr>
+        </p:nvSpPr>
+        <p:spPr/>
+        <p:txBody>
+          <a:bodyPr/>
+          <a:lstStyle/>
+          <a:p>
+            <a:r>
+              <a:rPr lang="en-US" dirty="0"/>
+              <a:t>Cosmos vs Storage</a:t>
+            </a:r>
+          </a:p>
+          <a:p>
+            <a:r>
+              <a:rPr lang="en-US" dirty="0"/>
+              <a:t>RU</a:t>
+            </a:r>
+          </a:p>
+          <a:p>
+            <a:r>
+              <a:rPr lang="en-US" dirty="0"/>
+              <a:t>Partition key</a:t>
+            </a:r>
+          </a:p>
+          <a:p>
+            <a:endParaRPr lang="en-US" dirty="0"/>
           </a:p>
         </p:txBody>
       </p:sp>
     </p:spTree>
     <p:extLst>
       <p:ext uri="{BB962C8B-B14F-4D97-AF65-F5344CB8AC3E}">
-        <p14:creationId xmlns:p14="http://schemas.microsoft.com/office/powerpoint/2010/main" val="1800990786"/>
+        <p14:creationId xmlns:p14="http://schemas.microsoft.com/office/powerpoint/2010/main" val="3199557068"/>
       </p:ext>
     </p:extLst>
   </p:cSld>
@@ -7435,7 +7644,7 @@
           <p:cNvPr id="2" name="Title 1">
             <a:extLst>
               <a:ext uri="{FF2B5EF4-FFF2-40B4-BE49-F238E27FC236}">
-                <a16:creationId xmlns:a16="http://schemas.microsoft.com/office/drawing/2014/main" id="{AEE831BE-B459-46C5-835D-27976477225B}"/>
+                <a16:creationId xmlns:a16="http://schemas.microsoft.com/office/drawing/2014/main" id="{6E6EEEC5-2095-4DAF-B337-23DF8E0570A4}"/>
               </a:ext>
             </a:extLst>
           </p:cNvPr>
@@ -7453,68 +7662,40 @@
           <a:p>
             <a:r>
               <a:rPr lang="en-US" dirty="0"/>
-              <a:t>Lessons learned</a:t>
-            </a:r>
-          </a:p>
-        </p:txBody>
-      </p:sp>
-      <p:sp>
-        <p:nvSpPr>
-          <p:cNvPr id="3" name="Content Placeholder 2">
-            <a:extLst>
-              <a:ext uri="{FF2B5EF4-FFF2-40B4-BE49-F238E27FC236}">
-                <a16:creationId xmlns:a16="http://schemas.microsoft.com/office/drawing/2014/main" id="{6F0669C6-8AD6-43FF-8CE2-9D42DEB7B508}"/>
-              </a:ext>
-            </a:extLst>
-          </p:cNvPr>
-          <p:cNvSpPr>
-            <a:spLocks noGrp="1"/>
-          </p:cNvSpPr>
-          <p:nvPr>
-            <p:ph idx="1"/>
-          </p:nvPr>
-        </p:nvSpPr>
-        <p:spPr/>
-        <p:txBody>
-          <a:bodyPr/>
-          <a:lstStyle/>
-          <a:p>
-            <a:r>
-              <a:rPr lang="en-US" dirty="0"/>
-              <a:t>Reopen VS Code</a:t>
-            </a:r>
-          </a:p>
-          <a:p>
-            <a:pPr lvl="1"/>
-            <a:r>
-              <a:rPr lang="en-US" dirty="0"/>
-              <a:t>In console enter “code .”</a:t>
-            </a:r>
-          </a:p>
-          <a:p>
-            <a:r>
-              <a:rPr lang="en-US" dirty="0"/>
-              <a:t>Binding vs Static</a:t>
-            </a:r>
-          </a:p>
-          <a:p>
-            <a:r>
-              <a:rPr lang="en-US" dirty="0"/>
-              <a:t>DAL</a:t>
-            </a:r>
-          </a:p>
-          <a:p>
-            <a:endParaRPr lang="en-US" dirty="0"/>
-          </a:p>
-          <a:p>
-            <a:endParaRPr lang="en-US" dirty="0"/>
+              <a:t>Setup Cosmos</a:t>
+            </a:r>
+          </a:p>
+        </p:txBody>
+      </p:sp>
+      <p:sp>
+        <p:nvSpPr>
+          <p:cNvPr id="3" name="Text Placeholder 2">
+            <a:extLst>
+              <a:ext uri="{FF2B5EF4-FFF2-40B4-BE49-F238E27FC236}">
+                <a16:creationId xmlns:a16="http://schemas.microsoft.com/office/drawing/2014/main" id="{3C4B6F7C-3F40-42FB-B792-9810804008A0}"/>
+              </a:ext>
+            </a:extLst>
+          </p:cNvPr>
+          <p:cNvSpPr>
+            <a:spLocks noGrp="1"/>
+          </p:cNvSpPr>
+          <p:nvPr>
+            <p:ph type="body" idx="1"/>
+          </p:nvPr>
+        </p:nvSpPr>
+        <p:spPr/>
+        <p:txBody>
+          <a:bodyPr/>
+          <a:lstStyle/>
+          <a:p>
+            <a:endParaRPr lang="en-US"/>
           </a:p>
         </p:txBody>
       </p:sp>
     </p:spTree>
     <p:extLst>
       <p:ext uri="{BB962C8B-B14F-4D97-AF65-F5344CB8AC3E}">
-        <p14:creationId xmlns:p14="http://schemas.microsoft.com/office/powerpoint/2010/main" val="3510485876"/>
+        <p14:creationId xmlns:p14="http://schemas.microsoft.com/office/powerpoint/2010/main" val="1800990786"/>
       </p:ext>
     </p:extLst>
   </p:cSld>
@@ -7546,7 +7727,7 @@
           <p:cNvPr id="2" name="Title 1">
             <a:extLst>
               <a:ext uri="{FF2B5EF4-FFF2-40B4-BE49-F238E27FC236}">
-                <a16:creationId xmlns:a16="http://schemas.microsoft.com/office/drawing/2014/main" id="{6E6EEEC5-2095-4DAF-B337-23DF8E0570A4}"/>
+                <a16:creationId xmlns:a16="http://schemas.microsoft.com/office/drawing/2014/main" id="{AEE831BE-B459-46C5-835D-27976477225B}"/>
               </a:ext>
             </a:extLst>
           </p:cNvPr>
@@ -7564,40 +7745,68 @@
           <a:p>
             <a:r>
               <a:rPr lang="en-US" dirty="0"/>
-              <a:t>Test Project</a:t>
-            </a:r>
-          </a:p>
-        </p:txBody>
-      </p:sp>
-      <p:sp>
-        <p:nvSpPr>
-          <p:cNvPr id="3" name="Text Placeholder 2">
-            <a:extLst>
-              <a:ext uri="{FF2B5EF4-FFF2-40B4-BE49-F238E27FC236}">
-                <a16:creationId xmlns:a16="http://schemas.microsoft.com/office/drawing/2014/main" id="{3C4B6F7C-3F40-42FB-B792-9810804008A0}"/>
-              </a:ext>
-            </a:extLst>
-          </p:cNvPr>
-          <p:cNvSpPr>
-            <a:spLocks noGrp="1"/>
-          </p:cNvSpPr>
-          <p:nvPr>
-            <p:ph type="body" idx="1"/>
-          </p:nvPr>
-        </p:nvSpPr>
-        <p:spPr/>
-        <p:txBody>
-          <a:bodyPr/>
-          <a:lstStyle/>
-          <a:p>
-            <a:endParaRPr lang="en-US"/>
+              <a:t>Lessons learned</a:t>
+            </a:r>
+          </a:p>
+        </p:txBody>
+      </p:sp>
+      <p:sp>
+        <p:nvSpPr>
+          <p:cNvPr id="3" name="Content Placeholder 2">
+            <a:extLst>
+              <a:ext uri="{FF2B5EF4-FFF2-40B4-BE49-F238E27FC236}">
+                <a16:creationId xmlns:a16="http://schemas.microsoft.com/office/drawing/2014/main" id="{6F0669C6-8AD6-43FF-8CE2-9D42DEB7B508}"/>
+              </a:ext>
+            </a:extLst>
+          </p:cNvPr>
+          <p:cNvSpPr>
+            <a:spLocks noGrp="1"/>
+          </p:cNvSpPr>
+          <p:nvPr>
+            <p:ph idx="1"/>
+          </p:nvPr>
+        </p:nvSpPr>
+        <p:spPr/>
+        <p:txBody>
+          <a:bodyPr/>
+          <a:lstStyle/>
+          <a:p>
+            <a:r>
+              <a:rPr lang="en-US" dirty="0"/>
+              <a:t>Reopen VS Code</a:t>
+            </a:r>
+          </a:p>
+          <a:p>
+            <a:pPr lvl="1"/>
+            <a:r>
+              <a:rPr lang="en-US" dirty="0"/>
+              <a:t>In console enter “code .”</a:t>
+            </a:r>
+          </a:p>
+          <a:p>
+            <a:r>
+              <a:rPr lang="en-US" dirty="0"/>
+              <a:t>Binding vs Static</a:t>
+            </a:r>
+          </a:p>
+          <a:p>
+            <a:r>
+              <a:rPr lang="en-US" dirty="0"/>
+              <a:t>DAL</a:t>
+            </a:r>
+          </a:p>
+          <a:p>
+            <a:endParaRPr lang="en-US" dirty="0"/>
+          </a:p>
+          <a:p>
+            <a:endParaRPr lang="en-US" dirty="0"/>
           </a:p>
         </p:txBody>
       </p:sp>
     </p:spTree>
     <p:extLst>
       <p:ext uri="{BB962C8B-B14F-4D97-AF65-F5344CB8AC3E}">
-        <p14:creationId xmlns:p14="http://schemas.microsoft.com/office/powerpoint/2010/main" val="3217634408"/>
+        <p14:creationId xmlns:p14="http://schemas.microsoft.com/office/powerpoint/2010/main" val="3510485876"/>
       </p:ext>
     </p:extLst>
   </p:cSld>
@@ -7629,7 +7838,7 @@
           <p:cNvPr id="2" name="Title 1">
             <a:extLst>
               <a:ext uri="{FF2B5EF4-FFF2-40B4-BE49-F238E27FC236}">
-                <a16:creationId xmlns:a16="http://schemas.microsoft.com/office/drawing/2014/main" id="{AEE831BE-B459-46C5-835D-27976477225B}"/>
+                <a16:creationId xmlns:a16="http://schemas.microsoft.com/office/drawing/2014/main" id="{6E6EEEC5-2095-4DAF-B337-23DF8E0570A4}"/>
               </a:ext>
             </a:extLst>
           </p:cNvPr>
@@ -7647,55 +7856,40 @@
           <a:p>
             <a:r>
               <a:rPr lang="en-US" dirty="0"/>
-              <a:t>Lessons learned</a:t>
-            </a:r>
-          </a:p>
-        </p:txBody>
-      </p:sp>
-      <p:sp>
-        <p:nvSpPr>
-          <p:cNvPr id="3" name="Content Placeholder 2">
-            <a:extLst>
-              <a:ext uri="{FF2B5EF4-FFF2-40B4-BE49-F238E27FC236}">
-                <a16:creationId xmlns:a16="http://schemas.microsoft.com/office/drawing/2014/main" id="{6F0669C6-8AD6-43FF-8CE2-9D42DEB7B508}"/>
-              </a:ext>
-            </a:extLst>
-          </p:cNvPr>
-          <p:cNvSpPr>
-            <a:spLocks noGrp="1"/>
-          </p:cNvSpPr>
-          <p:nvPr>
-            <p:ph idx="1"/>
-          </p:nvPr>
-        </p:nvSpPr>
-        <p:spPr/>
-        <p:txBody>
-          <a:bodyPr/>
-          <a:lstStyle/>
-          <a:p>
-            <a:r>
-              <a:rPr lang="en-US" dirty="0"/>
-              <a:t>In this step we place test code to add a Bike to the database</a:t>
-            </a:r>
-          </a:p>
-          <a:p>
-            <a:r>
-              <a:rPr lang="en-US" dirty="0"/>
-              <a:t>Then open cosmos and review the added JSON</a:t>
-            </a:r>
-          </a:p>
-          <a:p>
-            <a:r>
-              <a:rPr lang="en-US" dirty="0"/>
-              <a:t>This code will be removed later</a:t>
-            </a:r>
+              <a:t>Test Project</a:t>
+            </a:r>
+          </a:p>
+        </p:txBody>
+      </p:sp>
+      <p:sp>
+        <p:nvSpPr>
+          <p:cNvPr id="3" name="Text Placeholder 2">
+            <a:extLst>
+              <a:ext uri="{FF2B5EF4-FFF2-40B4-BE49-F238E27FC236}">
+                <a16:creationId xmlns:a16="http://schemas.microsoft.com/office/drawing/2014/main" id="{3C4B6F7C-3F40-42FB-B792-9810804008A0}"/>
+              </a:ext>
+            </a:extLst>
+          </p:cNvPr>
+          <p:cNvSpPr>
+            <a:spLocks noGrp="1"/>
+          </p:cNvSpPr>
+          <p:nvPr>
+            <p:ph type="body" idx="1"/>
+          </p:nvPr>
+        </p:nvSpPr>
+        <p:spPr/>
+        <p:txBody>
+          <a:bodyPr/>
+          <a:lstStyle/>
+          <a:p>
+            <a:endParaRPr lang="en-US"/>
           </a:p>
         </p:txBody>
       </p:sp>
     </p:spTree>
     <p:extLst>
       <p:ext uri="{BB962C8B-B14F-4D97-AF65-F5344CB8AC3E}">
-        <p14:creationId xmlns:p14="http://schemas.microsoft.com/office/powerpoint/2010/main" val="1616116792"/>
+        <p14:creationId xmlns:p14="http://schemas.microsoft.com/office/powerpoint/2010/main" val="3217634408"/>
       </p:ext>
     </p:extLst>
   </p:cSld>
@@ -7727,7 +7921,7 @@
           <p:cNvPr id="2" name="Title 1">
             <a:extLst>
               <a:ext uri="{FF2B5EF4-FFF2-40B4-BE49-F238E27FC236}">
-                <a16:creationId xmlns:a16="http://schemas.microsoft.com/office/drawing/2014/main" id="{6E6EEEC5-2095-4DAF-B337-23DF8E0570A4}"/>
+                <a16:creationId xmlns:a16="http://schemas.microsoft.com/office/drawing/2014/main" id="{AEE831BE-B459-46C5-835D-27976477225B}"/>
               </a:ext>
             </a:extLst>
           </p:cNvPr>
@@ -7745,40 +7939,55 @@
           <a:p>
             <a:r>
               <a:rPr lang="en-US" dirty="0"/>
-              <a:t>Complete Bike service</a:t>
-            </a:r>
-          </a:p>
-        </p:txBody>
-      </p:sp>
-      <p:sp>
-        <p:nvSpPr>
-          <p:cNvPr id="3" name="Text Placeholder 2">
-            <a:extLst>
-              <a:ext uri="{FF2B5EF4-FFF2-40B4-BE49-F238E27FC236}">
-                <a16:creationId xmlns:a16="http://schemas.microsoft.com/office/drawing/2014/main" id="{3C4B6F7C-3F40-42FB-B792-9810804008A0}"/>
-              </a:ext>
-            </a:extLst>
-          </p:cNvPr>
-          <p:cNvSpPr>
-            <a:spLocks noGrp="1"/>
-          </p:cNvSpPr>
-          <p:nvPr>
-            <p:ph type="body" idx="1"/>
-          </p:nvPr>
-        </p:nvSpPr>
-        <p:spPr/>
-        <p:txBody>
-          <a:bodyPr/>
-          <a:lstStyle/>
-          <a:p>
-            <a:endParaRPr lang="en-US"/>
+              <a:t>Lessons learned</a:t>
+            </a:r>
+          </a:p>
+        </p:txBody>
+      </p:sp>
+      <p:sp>
+        <p:nvSpPr>
+          <p:cNvPr id="3" name="Content Placeholder 2">
+            <a:extLst>
+              <a:ext uri="{FF2B5EF4-FFF2-40B4-BE49-F238E27FC236}">
+                <a16:creationId xmlns:a16="http://schemas.microsoft.com/office/drawing/2014/main" id="{6F0669C6-8AD6-43FF-8CE2-9D42DEB7B508}"/>
+              </a:ext>
+            </a:extLst>
+          </p:cNvPr>
+          <p:cNvSpPr>
+            <a:spLocks noGrp="1"/>
+          </p:cNvSpPr>
+          <p:nvPr>
+            <p:ph idx="1"/>
+          </p:nvPr>
+        </p:nvSpPr>
+        <p:spPr/>
+        <p:txBody>
+          <a:bodyPr/>
+          <a:lstStyle/>
+          <a:p>
+            <a:r>
+              <a:rPr lang="en-US" dirty="0"/>
+              <a:t>In this step we place test code to add a Bike to the database</a:t>
+            </a:r>
+          </a:p>
+          <a:p>
+            <a:r>
+              <a:rPr lang="en-US" dirty="0"/>
+              <a:t>Then open cosmos and review the added JSON</a:t>
+            </a:r>
+          </a:p>
+          <a:p>
+            <a:r>
+              <a:rPr lang="en-US" dirty="0"/>
+              <a:t>This code will be removed later</a:t>
+            </a:r>
           </a:p>
         </p:txBody>
       </p:sp>
     </p:spTree>
     <p:extLst>
       <p:ext uri="{BB962C8B-B14F-4D97-AF65-F5344CB8AC3E}">
-        <p14:creationId xmlns:p14="http://schemas.microsoft.com/office/powerpoint/2010/main" val="2803465301"/>
+        <p14:creationId xmlns:p14="http://schemas.microsoft.com/office/powerpoint/2010/main" val="1616116792"/>
       </p:ext>
     </p:extLst>
   </p:cSld>
@@ -7810,7 +8019,7 @@
           <p:cNvPr id="2" name="Title 1">
             <a:extLst>
               <a:ext uri="{FF2B5EF4-FFF2-40B4-BE49-F238E27FC236}">
-                <a16:creationId xmlns:a16="http://schemas.microsoft.com/office/drawing/2014/main" id="{AEE831BE-B459-46C5-835D-27976477225B}"/>
+                <a16:creationId xmlns:a16="http://schemas.microsoft.com/office/drawing/2014/main" id="{6E6EEEC5-2095-4DAF-B337-23DF8E0570A4}"/>
               </a:ext>
             </a:extLst>
           </p:cNvPr>
@@ -7828,49 +8037,40 @@
           <a:p>
             <a:r>
               <a:rPr lang="en-US" dirty="0"/>
-              <a:t>Lessons learned</a:t>
-            </a:r>
-          </a:p>
-        </p:txBody>
-      </p:sp>
-      <p:sp>
-        <p:nvSpPr>
-          <p:cNvPr id="3" name="Content Placeholder 2">
-            <a:extLst>
-              <a:ext uri="{FF2B5EF4-FFF2-40B4-BE49-F238E27FC236}">
-                <a16:creationId xmlns:a16="http://schemas.microsoft.com/office/drawing/2014/main" id="{6F0669C6-8AD6-43FF-8CE2-9D42DEB7B508}"/>
-              </a:ext>
-            </a:extLst>
-          </p:cNvPr>
-          <p:cNvSpPr>
-            <a:spLocks noGrp="1"/>
-          </p:cNvSpPr>
-          <p:nvPr>
-            <p:ph idx="1"/>
-          </p:nvPr>
-        </p:nvSpPr>
-        <p:spPr/>
-        <p:txBody>
-          <a:bodyPr/>
-          <a:lstStyle/>
-          <a:p>
-            <a:r>
-              <a:rPr lang="en-US" dirty="0"/>
-              <a:t>These steps add the basic CRUD operations</a:t>
-            </a:r>
-          </a:p>
-          <a:p>
-            <a:r>
-              <a:rPr lang="en-US" dirty="0"/>
-              <a:t>The last step adds the conditional microservice verb actions</a:t>
-            </a:r>
+              <a:t>Complete Bike service</a:t>
+            </a:r>
+          </a:p>
+        </p:txBody>
+      </p:sp>
+      <p:sp>
+        <p:nvSpPr>
+          <p:cNvPr id="3" name="Text Placeholder 2">
+            <a:extLst>
+              <a:ext uri="{FF2B5EF4-FFF2-40B4-BE49-F238E27FC236}">
+                <a16:creationId xmlns:a16="http://schemas.microsoft.com/office/drawing/2014/main" id="{3C4B6F7C-3F40-42FB-B792-9810804008A0}"/>
+              </a:ext>
+            </a:extLst>
+          </p:cNvPr>
+          <p:cNvSpPr>
+            <a:spLocks noGrp="1"/>
+          </p:cNvSpPr>
+          <p:nvPr>
+            <p:ph type="body" idx="1"/>
+          </p:nvPr>
+        </p:nvSpPr>
+        <p:spPr/>
+        <p:txBody>
+          <a:bodyPr/>
+          <a:lstStyle/>
+          <a:p>
+            <a:endParaRPr lang="en-US"/>
           </a:p>
         </p:txBody>
       </p:sp>
     </p:spTree>
     <p:extLst>
       <p:ext uri="{BB962C8B-B14F-4D97-AF65-F5344CB8AC3E}">
-        <p14:creationId xmlns:p14="http://schemas.microsoft.com/office/powerpoint/2010/main" val="1013743490"/>
+        <p14:creationId xmlns:p14="http://schemas.microsoft.com/office/powerpoint/2010/main" val="2803465301"/>
       </p:ext>
     </p:extLst>
   </p:cSld>
@@ -7902,7 +8102,7 @@
           <p:cNvPr id="2" name="Title 1">
             <a:extLst>
               <a:ext uri="{FF2B5EF4-FFF2-40B4-BE49-F238E27FC236}">
-                <a16:creationId xmlns:a16="http://schemas.microsoft.com/office/drawing/2014/main" id="{6E6EEEC5-2095-4DAF-B337-23DF8E0570A4}"/>
+                <a16:creationId xmlns:a16="http://schemas.microsoft.com/office/drawing/2014/main" id="{AEE831BE-B459-46C5-835D-27976477225B}"/>
               </a:ext>
             </a:extLst>
           </p:cNvPr>
@@ -7920,40 +8120,49 @@
           <a:p>
             <a:r>
               <a:rPr lang="en-US" dirty="0"/>
-              <a:t>Create Bikes service</a:t>
-            </a:r>
-          </a:p>
-        </p:txBody>
-      </p:sp>
-      <p:sp>
-        <p:nvSpPr>
-          <p:cNvPr id="3" name="Text Placeholder 2">
-            <a:extLst>
-              <a:ext uri="{FF2B5EF4-FFF2-40B4-BE49-F238E27FC236}">
-                <a16:creationId xmlns:a16="http://schemas.microsoft.com/office/drawing/2014/main" id="{3C4B6F7C-3F40-42FB-B792-9810804008A0}"/>
-              </a:ext>
-            </a:extLst>
-          </p:cNvPr>
-          <p:cNvSpPr>
-            <a:spLocks noGrp="1"/>
-          </p:cNvSpPr>
-          <p:nvPr>
-            <p:ph type="body" idx="1"/>
-          </p:nvPr>
-        </p:nvSpPr>
-        <p:spPr/>
-        <p:txBody>
-          <a:bodyPr/>
-          <a:lstStyle/>
-          <a:p>
-            <a:endParaRPr lang="en-US"/>
+              <a:t>Lessons learned</a:t>
+            </a:r>
+          </a:p>
+        </p:txBody>
+      </p:sp>
+      <p:sp>
+        <p:nvSpPr>
+          <p:cNvPr id="3" name="Content Placeholder 2">
+            <a:extLst>
+              <a:ext uri="{FF2B5EF4-FFF2-40B4-BE49-F238E27FC236}">
+                <a16:creationId xmlns:a16="http://schemas.microsoft.com/office/drawing/2014/main" id="{6F0669C6-8AD6-43FF-8CE2-9D42DEB7B508}"/>
+              </a:ext>
+            </a:extLst>
+          </p:cNvPr>
+          <p:cNvSpPr>
+            <a:spLocks noGrp="1"/>
+          </p:cNvSpPr>
+          <p:nvPr>
+            <p:ph idx="1"/>
+          </p:nvPr>
+        </p:nvSpPr>
+        <p:spPr/>
+        <p:txBody>
+          <a:bodyPr/>
+          <a:lstStyle/>
+          <a:p>
+            <a:r>
+              <a:rPr lang="en-US" dirty="0"/>
+              <a:t>These steps add the basic CRUD operations</a:t>
+            </a:r>
+          </a:p>
+          <a:p>
+            <a:r>
+              <a:rPr lang="en-US" dirty="0"/>
+              <a:t>The last step adds the conditional microservice verb actions</a:t>
+            </a:r>
           </a:p>
         </p:txBody>
       </p:sp>
     </p:spTree>
     <p:extLst>
       <p:ext uri="{BB962C8B-B14F-4D97-AF65-F5344CB8AC3E}">
-        <p14:creationId xmlns:p14="http://schemas.microsoft.com/office/powerpoint/2010/main" val="1297264946"/>
+        <p14:creationId xmlns:p14="http://schemas.microsoft.com/office/powerpoint/2010/main" val="1013743490"/>
       </p:ext>
     </p:extLst>
   </p:cSld>
@@ -7985,7 +8194,7 @@
           <p:cNvPr id="2" name="Title 1">
             <a:extLst>
               <a:ext uri="{FF2B5EF4-FFF2-40B4-BE49-F238E27FC236}">
-                <a16:creationId xmlns:a16="http://schemas.microsoft.com/office/drawing/2014/main" id="{AEE831BE-B459-46C5-835D-27976477225B}"/>
+                <a16:creationId xmlns:a16="http://schemas.microsoft.com/office/drawing/2014/main" id="{6E6EEEC5-2095-4DAF-B337-23DF8E0570A4}"/>
               </a:ext>
             </a:extLst>
           </p:cNvPr>
@@ -8003,43 +8212,40 @@
           <a:p>
             <a:r>
               <a:rPr lang="en-US" dirty="0"/>
-              <a:t>Lessons learned</a:t>
-            </a:r>
-          </a:p>
-        </p:txBody>
-      </p:sp>
-      <p:sp>
-        <p:nvSpPr>
-          <p:cNvPr id="3" name="Content Placeholder 2">
-            <a:extLst>
-              <a:ext uri="{FF2B5EF4-FFF2-40B4-BE49-F238E27FC236}">
-                <a16:creationId xmlns:a16="http://schemas.microsoft.com/office/drawing/2014/main" id="{6F0669C6-8AD6-43FF-8CE2-9D42DEB7B508}"/>
-              </a:ext>
-            </a:extLst>
-          </p:cNvPr>
-          <p:cNvSpPr>
-            <a:spLocks noGrp="1"/>
-          </p:cNvSpPr>
-          <p:nvPr>
-            <p:ph idx="1"/>
-          </p:nvPr>
-        </p:nvSpPr>
-        <p:spPr/>
-        <p:txBody>
-          <a:bodyPr/>
-          <a:lstStyle/>
-          <a:p>
-            <a:r>
-              <a:rPr lang="en-US" dirty="0"/>
-              <a:t>Single implementation of a get all</a:t>
-            </a:r>
+              <a:t>Create Bikes service</a:t>
+            </a:r>
+          </a:p>
+        </p:txBody>
+      </p:sp>
+      <p:sp>
+        <p:nvSpPr>
+          <p:cNvPr id="3" name="Text Placeholder 2">
+            <a:extLst>
+              <a:ext uri="{FF2B5EF4-FFF2-40B4-BE49-F238E27FC236}">
+                <a16:creationId xmlns:a16="http://schemas.microsoft.com/office/drawing/2014/main" id="{3C4B6F7C-3F40-42FB-B792-9810804008A0}"/>
+              </a:ext>
+            </a:extLst>
+          </p:cNvPr>
+          <p:cNvSpPr>
+            <a:spLocks noGrp="1"/>
+          </p:cNvSpPr>
+          <p:nvPr>
+            <p:ph type="body" idx="1"/>
+          </p:nvPr>
+        </p:nvSpPr>
+        <p:spPr/>
+        <p:txBody>
+          <a:bodyPr/>
+          <a:lstStyle/>
+          <a:p>
+            <a:endParaRPr lang="en-US"/>
           </a:p>
         </p:txBody>
       </p:sp>
     </p:spTree>
     <p:extLst>
       <p:ext uri="{BB962C8B-B14F-4D97-AF65-F5344CB8AC3E}">
-        <p14:creationId xmlns:p14="http://schemas.microsoft.com/office/powerpoint/2010/main" val="4236449904"/>
+        <p14:creationId xmlns:p14="http://schemas.microsoft.com/office/powerpoint/2010/main" val="1297264946"/>
       </p:ext>
     </p:extLst>
   </p:cSld>
@@ -8071,7 +8277,7 @@
           <p:cNvPr id="2" name="Title 1">
             <a:extLst>
               <a:ext uri="{FF2B5EF4-FFF2-40B4-BE49-F238E27FC236}">
-                <a16:creationId xmlns:a16="http://schemas.microsoft.com/office/drawing/2014/main" id="{6E6EEEC5-2095-4DAF-B337-23DF8E0570A4}"/>
+                <a16:creationId xmlns:a16="http://schemas.microsoft.com/office/drawing/2014/main" id="{AEE831BE-B459-46C5-835D-27976477225B}"/>
               </a:ext>
             </a:extLst>
           </p:cNvPr>
@@ -8089,40 +8295,43 @@
           <a:p>
             <a:r>
               <a:rPr lang="en-US" dirty="0"/>
-              <a:t>Test service</a:t>
-            </a:r>
-          </a:p>
-        </p:txBody>
-      </p:sp>
-      <p:sp>
-        <p:nvSpPr>
-          <p:cNvPr id="3" name="Text Placeholder 2">
-            <a:extLst>
-              <a:ext uri="{FF2B5EF4-FFF2-40B4-BE49-F238E27FC236}">
-                <a16:creationId xmlns:a16="http://schemas.microsoft.com/office/drawing/2014/main" id="{3C4B6F7C-3F40-42FB-B792-9810804008A0}"/>
-              </a:ext>
-            </a:extLst>
-          </p:cNvPr>
-          <p:cNvSpPr>
-            <a:spLocks noGrp="1"/>
-          </p:cNvSpPr>
-          <p:nvPr>
-            <p:ph type="body" idx="1"/>
-          </p:nvPr>
-        </p:nvSpPr>
-        <p:spPr/>
-        <p:txBody>
-          <a:bodyPr/>
-          <a:lstStyle/>
-          <a:p>
-            <a:endParaRPr lang="en-US"/>
+              <a:t>Lessons learned</a:t>
+            </a:r>
+          </a:p>
+        </p:txBody>
+      </p:sp>
+      <p:sp>
+        <p:nvSpPr>
+          <p:cNvPr id="3" name="Content Placeholder 2">
+            <a:extLst>
+              <a:ext uri="{FF2B5EF4-FFF2-40B4-BE49-F238E27FC236}">
+                <a16:creationId xmlns:a16="http://schemas.microsoft.com/office/drawing/2014/main" id="{6F0669C6-8AD6-43FF-8CE2-9D42DEB7B508}"/>
+              </a:ext>
+            </a:extLst>
+          </p:cNvPr>
+          <p:cNvSpPr>
+            <a:spLocks noGrp="1"/>
+          </p:cNvSpPr>
+          <p:nvPr>
+            <p:ph idx="1"/>
+          </p:nvPr>
+        </p:nvSpPr>
+        <p:spPr/>
+        <p:txBody>
+          <a:bodyPr/>
+          <a:lstStyle/>
+          <a:p>
+            <a:r>
+              <a:rPr lang="en-US" dirty="0"/>
+              <a:t>Single implementation of a get all</a:t>
+            </a:r>
           </a:p>
         </p:txBody>
       </p:sp>
     </p:spTree>
     <p:extLst>
       <p:ext uri="{BB962C8B-B14F-4D97-AF65-F5344CB8AC3E}">
-        <p14:creationId xmlns:p14="http://schemas.microsoft.com/office/powerpoint/2010/main" val="1224577197"/>
+        <p14:creationId xmlns:p14="http://schemas.microsoft.com/office/powerpoint/2010/main" val="4236449904"/>
       </p:ext>
     </p:extLst>
   </p:cSld>
@@ -8154,7 +8363,7 @@
           <p:cNvPr id="2" name="Title 1">
             <a:extLst>
               <a:ext uri="{FF2B5EF4-FFF2-40B4-BE49-F238E27FC236}">
-                <a16:creationId xmlns:a16="http://schemas.microsoft.com/office/drawing/2014/main" id="{AEE831BE-B459-46C5-835D-27976477225B}"/>
+                <a16:creationId xmlns:a16="http://schemas.microsoft.com/office/drawing/2014/main" id="{6E6EEEC5-2095-4DAF-B337-23DF8E0570A4}"/>
               </a:ext>
             </a:extLst>
           </p:cNvPr>
@@ -8172,52 +8381,40 @@
           <a:p>
             <a:r>
               <a:rPr lang="en-US" dirty="0"/>
-              <a:t>Lessons learned</a:t>
-            </a:r>
-          </a:p>
-        </p:txBody>
-      </p:sp>
-      <p:sp>
-        <p:nvSpPr>
-          <p:cNvPr id="3" name="Content Placeholder 2">
-            <a:extLst>
-              <a:ext uri="{FF2B5EF4-FFF2-40B4-BE49-F238E27FC236}">
-                <a16:creationId xmlns:a16="http://schemas.microsoft.com/office/drawing/2014/main" id="{6F0669C6-8AD6-43FF-8CE2-9D42DEB7B508}"/>
-              </a:ext>
-            </a:extLst>
-          </p:cNvPr>
-          <p:cNvSpPr>
-            <a:spLocks noGrp="1"/>
-          </p:cNvSpPr>
-          <p:nvPr>
-            <p:ph idx="1"/>
-          </p:nvPr>
-        </p:nvSpPr>
-        <p:spPr/>
-        <p:txBody>
-          <a:bodyPr/>
-          <a:lstStyle/>
-          <a:p>
-            <a:r>
-              <a:rPr lang="en-US" dirty="0"/>
-              <a:t>Start with a Bikes get</a:t>
-            </a:r>
-          </a:p>
-          <a:p>
-            <a:r>
-              <a:rPr lang="en-US" dirty="0"/>
-              <a:t>When we can update and add as a test</a:t>
-            </a:r>
-          </a:p>
-          <a:p>
-            <a:endParaRPr lang="en-US" dirty="0"/>
+              <a:t>Test service</a:t>
+            </a:r>
+          </a:p>
+        </p:txBody>
+      </p:sp>
+      <p:sp>
+        <p:nvSpPr>
+          <p:cNvPr id="3" name="Text Placeholder 2">
+            <a:extLst>
+              <a:ext uri="{FF2B5EF4-FFF2-40B4-BE49-F238E27FC236}">
+                <a16:creationId xmlns:a16="http://schemas.microsoft.com/office/drawing/2014/main" id="{3C4B6F7C-3F40-42FB-B792-9810804008A0}"/>
+              </a:ext>
+            </a:extLst>
+          </p:cNvPr>
+          <p:cNvSpPr>
+            <a:spLocks noGrp="1"/>
+          </p:cNvSpPr>
+          <p:nvPr>
+            <p:ph type="body" idx="1"/>
+          </p:nvPr>
+        </p:nvSpPr>
+        <p:spPr/>
+        <p:txBody>
+          <a:bodyPr/>
+          <a:lstStyle/>
+          <a:p>
+            <a:endParaRPr lang="en-US"/>
           </a:p>
         </p:txBody>
       </p:sp>
     </p:spTree>
     <p:extLst>
       <p:ext uri="{BB962C8B-B14F-4D97-AF65-F5344CB8AC3E}">
-        <p14:creationId xmlns:p14="http://schemas.microsoft.com/office/powerpoint/2010/main" val="2733986870"/>
+        <p14:creationId xmlns:p14="http://schemas.microsoft.com/office/powerpoint/2010/main" val="1224577197"/>
       </p:ext>
     </p:extLst>
   </p:cSld>
@@ -8249,7 +8446,7 @@
           <p:cNvPr id="2" name="Title 1">
             <a:extLst>
               <a:ext uri="{FF2B5EF4-FFF2-40B4-BE49-F238E27FC236}">
-                <a16:creationId xmlns:a16="http://schemas.microsoft.com/office/drawing/2014/main" id="{6E6EEEC5-2095-4DAF-B337-23DF8E0570A4}"/>
+                <a16:creationId xmlns:a16="http://schemas.microsoft.com/office/drawing/2014/main" id="{AEE831BE-B459-46C5-835D-27976477225B}"/>
               </a:ext>
             </a:extLst>
           </p:cNvPr>
@@ -8267,40 +8464,52 @@
           <a:p>
             <a:r>
               <a:rPr lang="en-US" dirty="0"/>
-              <a:t>Deploy Service</a:t>
-            </a:r>
-          </a:p>
-        </p:txBody>
-      </p:sp>
-      <p:sp>
-        <p:nvSpPr>
-          <p:cNvPr id="3" name="Text Placeholder 2">
-            <a:extLst>
-              <a:ext uri="{FF2B5EF4-FFF2-40B4-BE49-F238E27FC236}">
-                <a16:creationId xmlns:a16="http://schemas.microsoft.com/office/drawing/2014/main" id="{3C4B6F7C-3F40-42FB-B792-9810804008A0}"/>
-              </a:ext>
-            </a:extLst>
-          </p:cNvPr>
-          <p:cNvSpPr>
-            <a:spLocks noGrp="1"/>
-          </p:cNvSpPr>
-          <p:nvPr>
-            <p:ph type="body" idx="1"/>
-          </p:nvPr>
-        </p:nvSpPr>
-        <p:spPr/>
-        <p:txBody>
-          <a:bodyPr/>
-          <a:lstStyle/>
-          <a:p>
-            <a:endParaRPr lang="en-US"/>
+              <a:t>Lessons learned</a:t>
+            </a:r>
+          </a:p>
+        </p:txBody>
+      </p:sp>
+      <p:sp>
+        <p:nvSpPr>
+          <p:cNvPr id="3" name="Content Placeholder 2">
+            <a:extLst>
+              <a:ext uri="{FF2B5EF4-FFF2-40B4-BE49-F238E27FC236}">
+                <a16:creationId xmlns:a16="http://schemas.microsoft.com/office/drawing/2014/main" id="{6F0669C6-8AD6-43FF-8CE2-9D42DEB7B508}"/>
+              </a:ext>
+            </a:extLst>
+          </p:cNvPr>
+          <p:cNvSpPr>
+            <a:spLocks noGrp="1"/>
+          </p:cNvSpPr>
+          <p:nvPr>
+            <p:ph idx="1"/>
+          </p:nvPr>
+        </p:nvSpPr>
+        <p:spPr/>
+        <p:txBody>
+          <a:bodyPr/>
+          <a:lstStyle/>
+          <a:p>
+            <a:r>
+              <a:rPr lang="en-US" dirty="0"/>
+              <a:t>Start with a Bikes get</a:t>
+            </a:r>
+          </a:p>
+          <a:p>
+            <a:r>
+              <a:rPr lang="en-US" dirty="0"/>
+              <a:t>When we can update and add as a test</a:t>
+            </a:r>
+          </a:p>
+          <a:p>
+            <a:endParaRPr lang="en-US" dirty="0"/>
           </a:p>
         </p:txBody>
       </p:sp>
     </p:spTree>
     <p:extLst>
       <p:ext uri="{BB962C8B-B14F-4D97-AF65-F5344CB8AC3E}">
-        <p14:creationId xmlns:p14="http://schemas.microsoft.com/office/powerpoint/2010/main" val="586942170"/>
+        <p14:creationId xmlns:p14="http://schemas.microsoft.com/office/powerpoint/2010/main" val="2733986870"/>
       </p:ext>
     </p:extLst>
   </p:cSld>
@@ -8449,7 +8658,7 @@
           <p:cNvPr id="2" name="Title 1">
             <a:extLst>
               <a:ext uri="{FF2B5EF4-FFF2-40B4-BE49-F238E27FC236}">
-                <a16:creationId xmlns:a16="http://schemas.microsoft.com/office/drawing/2014/main" id="{AEE831BE-B459-46C5-835D-27976477225B}"/>
+                <a16:creationId xmlns:a16="http://schemas.microsoft.com/office/drawing/2014/main" id="{6E6EEEC5-2095-4DAF-B337-23DF8E0570A4}"/>
               </a:ext>
             </a:extLst>
           </p:cNvPr>
@@ -8467,55 +8676,40 @@
           <a:p>
             <a:r>
               <a:rPr lang="en-US" dirty="0"/>
-              <a:t>Lessons learned</a:t>
-            </a:r>
-          </a:p>
-        </p:txBody>
-      </p:sp>
-      <p:sp>
-        <p:nvSpPr>
-          <p:cNvPr id="3" name="Content Placeholder 2">
-            <a:extLst>
-              <a:ext uri="{FF2B5EF4-FFF2-40B4-BE49-F238E27FC236}">
-                <a16:creationId xmlns:a16="http://schemas.microsoft.com/office/drawing/2014/main" id="{6F0669C6-8AD6-43FF-8CE2-9D42DEB7B508}"/>
-              </a:ext>
-            </a:extLst>
-          </p:cNvPr>
-          <p:cNvSpPr>
-            <a:spLocks noGrp="1"/>
-          </p:cNvSpPr>
-          <p:nvPr>
-            <p:ph idx="1"/>
-          </p:nvPr>
-        </p:nvSpPr>
-        <p:spPr/>
-        <p:txBody>
-          <a:bodyPr/>
-          <a:lstStyle/>
-          <a:p>
-            <a:r>
-              <a:rPr lang="en-US" dirty="0"/>
-              <a:t>Deployment is straight forward</a:t>
-            </a:r>
-          </a:p>
-          <a:p>
-            <a:r>
-              <a:rPr lang="en-US" dirty="0"/>
-              <a:t>Many deployment models now</a:t>
-            </a:r>
-          </a:p>
-          <a:p>
-            <a:r>
-              <a:rPr lang="en-US" dirty="0"/>
-              <a:t>After deployment receive code</a:t>
-            </a:r>
+              <a:t>Deploy Service (Optional)</a:t>
+            </a:r>
+          </a:p>
+        </p:txBody>
+      </p:sp>
+      <p:sp>
+        <p:nvSpPr>
+          <p:cNvPr id="3" name="Text Placeholder 2">
+            <a:extLst>
+              <a:ext uri="{FF2B5EF4-FFF2-40B4-BE49-F238E27FC236}">
+                <a16:creationId xmlns:a16="http://schemas.microsoft.com/office/drawing/2014/main" id="{3C4B6F7C-3F40-42FB-B792-9810804008A0}"/>
+              </a:ext>
+            </a:extLst>
+          </p:cNvPr>
+          <p:cNvSpPr>
+            <a:spLocks noGrp="1"/>
+          </p:cNvSpPr>
+          <p:nvPr>
+            <p:ph type="body" idx="1"/>
+          </p:nvPr>
+        </p:nvSpPr>
+        <p:spPr/>
+        <p:txBody>
+          <a:bodyPr/>
+          <a:lstStyle/>
+          <a:p>
+            <a:endParaRPr lang="en-US"/>
           </a:p>
         </p:txBody>
       </p:sp>
     </p:spTree>
     <p:extLst>
       <p:ext uri="{BB962C8B-B14F-4D97-AF65-F5344CB8AC3E}">
-        <p14:creationId xmlns:p14="http://schemas.microsoft.com/office/powerpoint/2010/main" val="2107819008"/>
+        <p14:creationId xmlns:p14="http://schemas.microsoft.com/office/powerpoint/2010/main" val="586942170"/>
       </p:ext>
     </p:extLst>
   </p:cSld>
@@ -8547,7 +8741,7 @@
           <p:cNvPr id="2" name="Title 1">
             <a:extLst>
               <a:ext uri="{FF2B5EF4-FFF2-40B4-BE49-F238E27FC236}">
-                <a16:creationId xmlns:a16="http://schemas.microsoft.com/office/drawing/2014/main" id="{6E6EEEC5-2095-4DAF-B337-23DF8E0570A4}"/>
+                <a16:creationId xmlns:a16="http://schemas.microsoft.com/office/drawing/2014/main" id="{AEE831BE-B459-46C5-835D-27976477225B}"/>
               </a:ext>
             </a:extLst>
           </p:cNvPr>
@@ -8565,40 +8759,55 @@
           <a:p>
             <a:r>
               <a:rPr lang="en-US" dirty="0"/>
-              <a:t>Enable Frontend</a:t>
-            </a:r>
-          </a:p>
-        </p:txBody>
-      </p:sp>
-      <p:sp>
-        <p:nvSpPr>
-          <p:cNvPr id="3" name="Text Placeholder 2">
-            <a:extLst>
-              <a:ext uri="{FF2B5EF4-FFF2-40B4-BE49-F238E27FC236}">
-                <a16:creationId xmlns:a16="http://schemas.microsoft.com/office/drawing/2014/main" id="{3C4B6F7C-3F40-42FB-B792-9810804008A0}"/>
-              </a:ext>
-            </a:extLst>
-          </p:cNvPr>
-          <p:cNvSpPr>
-            <a:spLocks noGrp="1"/>
-          </p:cNvSpPr>
-          <p:nvPr>
-            <p:ph type="body" idx="1"/>
-          </p:nvPr>
-        </p:nvSpPr>
-        <p:spPr/>
-        <p:txBody>
-          <a:bodyPr/>
-          <a:lstStyle/>
-          <a:p>
-            <a:endParaRPr lang="en-US"/>
+              <a:t>Lessons learned</a:t>
+            </a:r>
+          </a:p>
+        </p:txBody>
+      </p:sp>
+      <p:sp>
+        <p:nvSpPr>
+          <p:cNvPr id="3" name="Content Placeholder 2">
+            <a:extLst>
+              <a:ext uri="{FF2B5EF4-FFF2-40B4-BE49-F238E27FC236}">
+                <a16:creationId xmlns:a16="http://schemas.microsoft.com/office/drawing/2014/main" id="{6F0669C6-8AD6-43FF-8CE2-9D42DEB7B508}"/>
+              </a:ext>
+            </a:extLst>
+          </p:cNvPr>
+          <p:cNvSpPr>
+            <a:spLocks noGrp="1"/>
+          </p:cNvSpPr>
+          <p:nvPr>
+            <p:ph idx="1"/>
+          </p:nvPr>
+        </p:nvSpPr>
+        <p:spPr/>
+        <p:txBody>
+          <a:bodyPr/>
+          <a:lstStyle/>
+          <a:p>
+            <a:r>
+              <a:rPr lang="en-US" dirty="0"/>
+              <a:t>Deployment is straight forward</a:t>
+            </a:r>
+          </a:p>
+          <a:p>
+            <a:r>
+              <a:rPr lang="en-US" dirty="0"/>
+              <a:t>Many deployment models now</a:t>
+            </a:r>
+          </a:p>
+          <a:p>
+            <a:r>
+              <a:rPr lang="en-US" dirty="0"/>
+              <a:t>After deployment receive code</a:t>
+            </a:r>
           </a:p>
         </p:txBody>
       </p:sp>
     </p:spTree>
     <p:extLst>
       <p:ext uri="{BB962C8B-B14F-4D97-AF65-F5344CB8AC3E}">
-        <p14:creationId xmlns:p14="http://schemas.microsoft.com/office/powerpoint/2010/main" val="1227181782"/>
+        <p14:creationId xmlns:p14="http://schemas.microsoft.com/office/powerpoint/2010/main" val="2107819008"/>
       </p:ext>
     </p:extLst>
   </p:cSld>
@@ -8630,7 +8839,7 @@
           <p:cNvPr id="2" name="Title 1">
             <a:extLst>
               <a:ext uri="{FF2B5EF4-FFF2-40B4-BE49-F238E27FC236}">
-                <a16:creationId xmlns:a16="http://schemas.microsoft.com/office/drawing/2014/main" id="{AEE831BE-B459-46C5-835D-27976477225B}"/>
+                <a16:creationId xmlns:a16="http://schemas.microsoft.com/office/drawing/2014/main" id="{6E6EEEC5-2095-4DAF-B337-23DF8E0570A4}"/>
               </a:ext>
             </a:extLst>
           </p:cNvPr>
@@ -8648,55 +8857,40 @@
           <a:p>
             <a:r>
               <a:rPr lang="en-US" dirty="0"/>
-              <a:t>Lessons learned</a:t>
-            </a:r>
-          </a:p>
-        </p:txBody>
-      </p:sp>
-      <p:sp>
-        <p:nvSpPr>
-          <p:cNvPr id="3" name="Content Placeholder 2">
-            <a:extLst>
-              <a:ext uri="{FF2B5EF4-FFF2-40B4-BE49-F238E27FC236}">
-                <a16:creationId xmlns:a16="http://schemas.microsoft.com/office/drawing/2014/main" id="{6F0669C6-8AD6-43FF-8CE2-9D42DEB7B508}"/>
-              </a:ext>
-            </a:extLst>
-          </p:cNvPr>
-          <p:cNvSpPr>
-            <a:spLocks noGrp="1"/>
-          </p:cNvSpPr>
-          <p:nvPr>
-            <p:ph idx="1"/>
-          </p:nvPr>
-        </p:nvSpPr>
-        <p:spPr/>
-        <p:txBody>
-          <a:bodyPr/>
-          <a:lstStyle/>
-          <a:p>
-            <a:r>
-              <a:rPr lang="en-US" dirty="0"/>
-              <a:t>CORS</a:t>
-            </a:r>
-          </a:p>
-          <a:p>
-            <a:r>
-              <a:rPr lang="en-US" dirty="0"/>
-              <a:t>Azure API Management</a:t>
-            </a:r>
-          </a:p>
-          <a:p>
-            <a:r>
-              <a:rPr lang="en-US" dirty="0"/>
-              <a:t>AAD</a:t>
-            </a:r>
+              <a:t>Enable Frontend</a:t>
+            </a:r>
+          </a:p>
+        </p:txBody>
+      </p:sp>
+      <p:sp>
+        <p:nvSpPr>
+          <p:cNvPr id="3" name="Text Placeholder 2">
+            <a:extLst>
+              <a:ext uri="{FF2B5EF4-FFF2-40B4-BE49-F238E27FC236}">
+                <a16:creationId xmlns:a16="http://schemas.microsoft.com/office/drawing/2014/main" id="{3C4B6F7C-3F40-42FB-B792-9810804008A0}"/>
+              </a:ext>
+            </a:extLst>
+          </p:cNvPr>
+          <p:cNvSpPr>
+            <a:spLocks noGrp="1"/>
+          </p:cNvSpPr>
+          <p:nvPr>
+            <p:ph type="body" idx="1"/>
+          </p:nvPr>
+        </p:nvSpPr>
+        <p:spPr/>
+        <p:txBody>
+          <a:bodyPr/>
+          <a:lstStyle/>
+          <a:p>
+            <a:endParaRPr lang="en-US"/>
           </a:p>
         </p:txBody>
       </p:sp>
     </p:spTree>
     <p:extLst>
       <p:ext uri="{BB962C8B-B14F-4D97-AF65-F5344CB8AC3E}">
-        <p14:creationId xmlns:p14="http://schemas.microsoft.com/office/powerpoint/2010/main" val="4030464827"/>
+        <p14:creationId xmlns:p14="http://schemas.microsoft.com/office/powerpoint/2010/main" val="1227181782"/>
       </p:ext>
     </p:extLst>
   </p:cSld>
@@ -8728,7 +8922,7 @@
           <p:cNvPr id="2" name="Title 1">
             <a:extLst>
               <a:ext uri="{FF2B5EF4-FFF2-40B4-BE49-F238E27FC236}">
-                <a16:creationId xmlns:a16="http://schemas.microsoft.com/office/drawing/2014/main" id="{6E6EEEC5-2095-4DAF-B337-23DF8E0570A4}"/>
+                <a16:creationId xmlns:a16="http://schemas.microsoft.com/office/drawing/2014/main" id="{AEE831BE-B459-46C5-835D-27976477225B}"/>
               </a:ext>
             </a:extLst>
           </p:cNvPr>
@@ -8746,40 +8940,55 @@
           <a:p>
             <a:r>
               <a:rPr lang="en-US" dirty="0"/>
-              <a:t>Setup Frontend</a:t>
-            </a:r>
-          </a:p>
-        </p:txBody>
-      </p:sp>
-      <p:sp>
-        <p:nvSpPr>
-          <p:cNvPr id="3" name="Text Placeholder 2">
-            <a:extLst>
-              <a:ext uri="{FF2B5EF4-FFF2-40B4-BE49-F238E27FC236}">
-                <a16:creationId xmlns:a16="http://schemas.microsoft.com/office/drawing/2014/main" id="{3C4B6F7C-3F40-42FB-B792-9810804008A0}"/>
-              </a:ext>
-            </a:extLst>
-          </p:cNvPr>
-          <p:cNvSpPr>
-            <a:spLocks noGrp="1"/>
-          </p:cNvSpPr>
-          <p:nvPr>
-            <p:ph type="body" idx="1"/>
-          </p:nvPr>
-        </p:nvSpPr>
-        <p:spPr/>
-        <p:txBody>
-          <a:bodyPr/>
-          <a:lstStyle/>
-          <a:p>
-            <a:endParaRPr lang="en-US"/>
+              <a:t>Lessons learned</a:t>
+            </a:r>
+          </a:p>
+        </p:txBody>
+      </p:sp>
+      <p:sp>
+        <p:nvSpPr>
+          <p:cNvPr id="3" name="Content Placeholder 2">
+            <a:extLst>
+              <a:ext uri="{FF2B5EF4-FFF2-40B4-BE49-F238E27FC236}">
+                <a16:creationId xmlns:a16="http://schemas.microsoft.com/office/drawing/2014/main" id="{6F0669C6-8AD6-43FF-8CE2-9D42DEB7B508}"/>
+              </a:ext>
+            </a:extLst>
+          </p:cNvPr>
+          <p:cNvSpPr>
+            <a:spLocks noGrp="1"/>
+          </p:cNvSpPr>
+          <p:nvPr>
+            <p:ph idx="1"/>
+          </p:nvPr>
+        </p:nvSpPr>
+        <p:spPr/>
+        <p:txBody>
+          <a:bodyPr/>
+          <a:lstStyle/>
+          <a:p>
+            <a:r>
+              <a:rPr lang="en-US" dirty="0"/>
+              <a:t>CORS</a:t>
+            </a:r>
+          </a:p>
+          <a:p>
+            <a:r>
+              <a:rPr lang="en-US" dirty="0"/>
+              <a:t>Azure API Management</a:t>
+            </a:r>
+          </a:p>
+          <a:p>
+            <a:r>
+              <a:rPr lang="en-US" dirty="0"/>
+              <a:t>AAD</a:t>
+            </a:r>
           </a:p>
         </p:txBody>
       </p:sp>
     </p:spTree>
     <p:extLst>
       <p:ext uri="{BB962C8B-B14F-4D97-AF65-F5344CB8AC3E}">
-        <p14:creationId xmlns:p14="http://schemas.microsoft.com/office/powerpoint/2010/main" val="4117516262"/>
+        <p14:creationId xmlns:p14="http://schemas.microsoft.com/office/powerpoint/2010/main" val="4030464827"/>
       </p:ext>
     </p:extLst>
   </p:cSld>
@@ -8811,7 +9020,7 @@
           <p:cNvPr id="2" name="Title 1">
             <a:extLst>
               <a:ext uri="{FF2B5EF4-FFF2-40B4-BE49-F238E27FC236}">
-                <a16:creationId xmlns:a16="http://schemas.microsoft.com/office/drawing/2014/main" id="{AEE831BE-B459-46C5-835D-27976477225B}"/>
+                <a16:creationId xmlns:a16="http://schemas.microsoft.com/office/drawing/2014/main" id="{6E6EEEC5-2095-4DAF-B337-23DF8E0570A4}"/>
               </a:ext>
             </a:extLst>
           </p:cNvPr>
@@ -8829,46 +9038,40 @@
           <a:p>
             <a:r>
               <a:rPr lang="en-US" dirty="0"/>
-              <a:t>Lessons learned</a:t>
-            </a:r>
-          </a:p>
-        </p:txBody>
-      </p:sp>
-      <p:sp>
-        <p:nvSpPr>
-          <p:cNvPr id="3" name="Content Placeholder 2">
-            <a:extLst>
-              <a:ext uri="{FF2B5EF4-FFF2-40B4-BE49-F238E27FC236}">
-                <a16:creationId xmlns:a16="http://schemas.microsoft.com/office/drawing/2014/main" id="{6F0669C6-8AD6-43FF-8CE2-9D42DEB7B508}"/>
-              </a:ext>
-            </a:extLst>
-          </p:cNvPr>
-          <p:cNvSpPr>
-            <a:spLocks noGrp="1"/>
-          </p:cNvSpPr>
-          <p:nvPr>
-            <p:ph idx="1"/>
-          </p:nvPr>
-        </p:nvSpPr>
-        <p:spPr/>
-        <p:txBody>
-          <a:bodyPr/>
-          <a:lstStyle/>
-          <a:p>
-            <a:r>
-              <a:rPr lang="en-US" dirty="0"/>
-              <a:t>Fluent UI</a:t>
-            </a:r>
-          </a:p>
-          <a:p>
-            <a:endParaRPr lang="en-US" dirty="0"/>
+              <a:t>Setup Frontend</a:t>
+            </a:r>
+          </a:p>
+        </p:txBody>
+      </p:sp>
+      <p:sp>
+        <p:nvSpPr>
+          <p:cNvPr id="3" name="Text Placeholder 2">
+            <a:extLst>
+              <a:ext uri="{FF2B5EF4-FFF2-40B4-BE49-F238E27FC236}">
+                <a16:creationId xmlns:a16="http://schemas.microsoft.com/office/drawing/2014/main" id="{3C4B6F7C-3F40-42FB-B792-9810804008A0}"/>
+              </a:ext>
+            </a:extLst>
+          </p:cNvPr>
+          <p:cNvSpPr>
+            <a:spLocks noGrp="1"/>
+          </p:cNvSpPr>
+          <p:nvPr>
+            <p:ph type="body" idx="1"/>
+          </p:nvPr>
+        </p:nvSpPr>
+        <p:spPr/>
+        <p:txBody>
+          <a:bodyPr/>
+          <a:lstStyle/>
+          <a:p>
+            <a:endParaRPr lang="en-US"/>
           </a:p>
         </p:txBody>
       </p:sp>
     </p:spTree>
     <p:extLst>
       <p:ext uri="{BB962C8B-B14F-4D97-AF65-F5344CB8AC3E}">
-        <p14:creationId xmlns:p14="http://schemas.microsoft.com/office/powerpoint/2010/main" val="3978079081"/>
+        <p14:creationId xmlns:p14="http://schemas.microsoft.com/office/powerpoint/2010/main" val="4117516262"/>
       </p:ext>
     </p:extLst>
   </p:cSld>
@@ -8900,7 +9103,7 @@
           <p:cNvPr id="2" name="Title 1">
             <a:extLst>
               <a:ext uri="{FF2B5EF4-FFF2-40B4-BE49-F238E27FC236}">
-                <a16:creationId xmlns:a16="http://schemas.microsoft.com/office/drawing/2014/main" id="{6E6EEEC5-2095-4DAF-B337-23DF8E0570A4}"/>
+                <a16:creationId xmlns:a16="http://schemas.microsoft.com/office/drawing/2014/main" id="{7860E3FA-8B2C-4523-A033-4B8997CC2813}"/>
               </a:ext>
             </a:extLst>
           </p:cNvPr>
@@ -8918,40 +9121,61 @@
           <a:p>
             <a:r>
               <a:rPr lang="en-US" dirty="0"/>
-              <a:t>Bikes Component</a:t>
-            </a:r>
-          </a:p>
-        </p:txBody>
-      </p:sp>
-      <p:sp>
-        <p:nvSpPr>
-          <p:cNvPr id="3" name="Text Placeholder 2">
-            <a:extLst>
-              <a:ext uri="{FF2B5EF4-FFF2-40B4-BE49-F238E27FC236}">
-                <a16:creationId xmlns:a16="http://schemas.microsoft.com/office/drawing/2014/main" id="{3C4B6F7C-3F40-42FB-B792-9810804008A0}"/>
-              </a:ext>
-            </a:extLst>
-          </p:cNvPr>
-          <p:cNvSpPr>
-            <a:spLocks noGrp="1"/>
-          </p:cNvSpPr>
-          <p:nvPr>
-            <p:ph type="body" idx="1"/>
-          </p:nvPr>
-        </p:nvSpPr>
-        <p:spPr/>
-        <p:txBody>
-          <a:bodyPr/>
-          <a:lstStyle/>
-          <a:p>
-            <a:endParaRPr lang="en-US"/>
+              <a:t>Overview</a:t>
+            </a:r>
+          </a:p>
+        </p:txBody>
+      </p:sp>
+      <p:sp>
+        <p:nvSpPr>
+          <p:cNvPr id="3" name="Content Placeholder 2">
+            <a:extLst>
+              <a:ext uri="{FF2B5EF4-FFF2-40B4-BE49-F238E27FC236}">
+                <a16:creationId xmlns:a16="http://schemas.microsoft.com/office/drawing/2014/main" id="{91C63256-A0E0-4631-B167-DB099AA60B05}"/>
+              </a:ext>
+            </a:extLst>
+          </p:cNvPr>
+          <p:cNvSpPr>
+            <a:spLocks noGrp="1"/>
+          </p:cNvSpPr>
+          <p:nvPr>
+            <p:ph idx="1"/>
+          </p:nvPr>
+        </p:nvSpPr>
+        <p:spPr/>
+        <p:txBody>
+          <a:bodyPr/>
+          <a:lstStyle/>
+          <a:p>
+            <a:r>
+              <a:rPr lang="en-US" dirty="0"/>
+              <a:t>Create frontend, 3 subs</a:t>
+            </a:r>
+          </a:p>
+          <a:p>
+            <a:r>
+              <a:rPr lang="en-US" dirty="0"/>
+              <a:t>Show Bikes</a:t>
+            </a:r>
+          </a:p>
+          <a:p>
+            <a:r>
+              <a:rPr lang="en-US" dirty="0"/>
+              <a:t>Add Edit quantity</a:t>
+            </a:r>
+          </a:p>
+          <a:p>
+            <a:r>
+              <a:rPr lang="en-US" dirty="0"/>
+              <a:t>Add Bike</a:t>
+            </a:r>
           </a:p>
         </p:txBody>
       </p:sp>
     </p:spTree>
     <p:extLst>
       <p:ext uri="{BB962C8B-B14F-4D97-AF65-F5344CB8AC3E}">
-        <p14:creationId xmlns:p14="http://schemas.microsoft.com/office/powerpoint/2010/main" val="1119455333"/>
+        <p14:creationId xmlns:p14="http://schemas.microsoft.com/office/powerpoint/2010/main" val="709669348"/>
       </p:ext>
     </p:extLst>
   </p:cSld>
@@ -9029,27 +9253,18 @@
           <a:p>
             <a:r>
               <a:rPr lang="en-US" dirty="0"/>
-              <a:t>These are individual files</a:t>
-            </a:r>
-          </a:p>
-          <a:p>
-            <a:r>
-              <a:rPr lang="en-US" dirty="0"/>
-              <a:t>In this step will render the basic app</a:t>
-            </a:r>
-          </a:p>
-          <a:p>
-            <a:r>
-              <a:rPr lang="en-US" dirty="0"/>
-              <a:t>Add more over the next few steps </a:t>
-            </a:r>
+              <a:t>Fluent UI</a:t>
+            </a:r>
+          </a:p>
+          <a:p>
+            <a:endParaRPr lang="en-US" dirty="0"/>
           </a:p>
         </p:txBody>
       </p:sp>
     </p:spTree>
     <p:extLst>
       <p:ext uri="{BB962C8B-B14F-4D97-AF65-F5344CB8AC3E}">
-        <p14:creationId xmlns:p14="http://schemas.microsoft.com/office/powerpoint/2010/main" val="3171052760"/>
+        <p14:creationId xmlns:p14="http://schemas.microsoft.com/office/powerpoint/2010/main" val="3978079081"/>
       </p:ext>
     </p:extLst>
   </p:cSld>
@@ -9099,7 +9314,7 @@
           <a:p>
             <a:r>
               <a:rPr lang="en-US" dirty="0"/>
-              <a:t>Classes</a:t>
+              <a:t>Bikes Component</a:t>
             </a:r>
           </a:p>
         </p:txBody>
@@ -9132,7 +9347,7 @@
     </p:spTree>
     <p:extLst>
       <p:ext uri="{BB962C8B-B14F-4D97-AF65-F5344CB8AC3E}">
-        <p14:creationId xmlns:p14="http://schemas.microsoft.com/office/powerpoint/2010/main" val="507497091"/>
+        <p14:creationId xmlns:p14="http://schemas.microsoft.com/office/powerpoint/2010/main" val="1119455333"/>
       </p:ext>
     </p:extLst>
   </p:cSld>
@@ -9210,7 +9425,19 @@
           <a:p>
             <a:r>
               <a:rPr lang="en-US" dirty="0"/>
-              <a:t>Camel cased binding to JSON</a:t>
+              <a:t>These are individual files</a:t>
+            </a:r>
+          </a:p>
+          <a:p>
+            <a:r>
+              <a:rPr lang="en-US" dirty="0"/>
+              <a:t>In this step will render the basic app</a:t>
+            </a:r>
+          </a:p>
+          <a:p>
+            <a:r>
+              <a:rPr lang="en-US" dirty="0"/>
+              <a:t>Add more over the next few steps </a:t>
             </a:r>
           </a:p>
         </p:txBody>
@@ -9218,7 +9445,7 @@
     </p:spTree>
     <p:extLst>
       <p:ext uri="{BB962C8B-B14F-4D97-AF65-F5344CB8AC3E}">
-        <p14:creationId xmlns:p14="http://schemas.microsoft.com/office/powerpoint/2010/main" val="917506442"/>
+        <p14:creationId xmlns:p14="http://schemas.microsoft.com/office/powerpoint/2010/main" val="3171052760"/>
       </p:ext>
     </p:extLst>
   </p:cSld>
@@ -9268,7 +9495,7 @@
           <a:p>
             <a:r>
               <a:rPr lang="en-US" dirty="0"/>
-              <a:t>Show data</a:t>
+              <a:t>Classes</a:t>
             </a:r>
           </a:p>
         </p:txBody>
@@ -9301,7 +9528,7 @@
     </p:spTree>
     <p:extLst>
       <p:ext uri="{BB962C8B-B14F-4D97-AF65-F5344CB8AC3E}">
-        <p14:creationId xmlns:p14="http://schemas.microsoft.com/office/powerpoint/2010/main" val="932386071"/>
+        <p14:creationId xmlns:p14="http://schemas.microsoft.com/office/powerpoint/2010/main" val="507497091"/>
       </p:ext>
     </p:extLst>
   </p:cSld>
@@ -9462,56 +9689,7 @@
           <a:p>
             <a:r>
               <a:rPr lang="en-US" dirty="0"/>
-              <a:t>Big step</a:t>
-            </a:r>
-          </a:p>
-          <a:p>
-            <a:r>
-              <a:rPr lang="en-US" dirty="0"/>
-              <a:t>Add a new interface for the member variables</a:t>
-            </a:r>
-          </a:p>
-          <a:p>
-            <a:r>
-              <a:rPr lang="en-US" dirty="0"/>
-              <a:t>Add styles for Fluent</a:t>
-            </a:r>
-          </a:p>
-          <a:p>
-            <a:r>
-              <a:rPr lang="en-US" dirty="0"/>
-              <a:t>Change component definitions to inject interface</a:t>
-            </a:r>
-          </a:p>
-          <a:p>
-            <a:r>
-              <a:rPr lang="en-US" dirty="0" err="1"/>
-              <a:t>componentDidMount</a:t>
-            </a:r>
-            <a:r>
-              <a:rPr lang="en-US" dirty="0"/>
-              <a:t>()</a:t>
-            </a:r>
-          </a:p>
-          <a:p>
-            <a:pPr lvl="1"/>
-            <a:r>
-              <a:rPr lang="en-US" dirty="0"/>
-              <a:t>URL from Azure Functions</a:t>
-            </a:r>
-          </a:p>
-          <a:p>
-            <a:r>
-              <a:rPr lang="en-US" dirty="0"/>
-              <a:t>Render calling </a:t>
-            </a:r>
-            <a:r>
-              <a:rPr lang="en-US" dirty="0" err="1"/>
-              <a:t>RenderBike</a:t>
-            </a:r>
-            <a:r>
-              <a:rPr lang="en-US" dirty="0"/>
-              <a:t> per item in collection</a:t>
+              <a:t>Camel cased binding to JSON</a:t>
             </a:r>
           </a:p>
         </p:txBody>
@@ -9519,7 +9697,7 @@
     </p:spTree>
     <p:extLst>
       <p:ext uri="{BB962C8B-B14F-4D97-AF65-F5344CB8AC3E}">
-        <p14:creationId xmlns:p14="http://schemas.microsoft.com/office/powerpoint/2010/main" val="4109046319"/>
+        <p14:creationId xmlns:p14="http://schemas.microsoft.com/office/powerpoint/2010/main" val="917506442"/>
       </p:ext>
     </p:extLst>
   </p:cSld>
@@ -9569,7 +9747,7 @@
           <a:p>
             <a:r>
               <a:rPr lang="en-US" dirty="0"/>
-              <a:t>Add edit quantity</a:t>
+              <a:t>Show data</a:t>
             </a:r>
           </a:p>
         </p:txBody>
@@ -9602,7 +9780,7 @@
     </p:spTree>
     <p:extLst>
       <p:ext uri="{BB962C8B-B14F-4D97-AF65-F5344CB8AC3E}">
-        <p14:creationId xmlns:p14="http://schemas.microsoft.com/office/powerpoint/2010/main" val="2511770613"/>
+        <p14:creationId xmlns:p14="http://schemas.microsoft.com/office/powerpoint/2010/main" val="932386071"/>
       </p:ext>
     </p:extLst>
   </p:cSld>
@@ -9680,30 +9858,64 @@
           <a:p>
             <a:r>
               <a:rPr lang="en-US" dirty="0"/>
-              <a:t>Add items to the interface</a:t>
-            </a:r>
-          </a:p>
-          <a:p>
-            <a:r>
-              <a:rPr lang="en-US" dirty="0"/>
-              <a:t>Add a bit more styling</a:t>
-            </a:r>
-          </a:p>
-          <a:p>
-            <a:r>
-              <a:rPr lang="en-US" dirty="0"/>
-              <a:t>In this, you have a Fluent panel that opens where you can change the quantity. </a:t>
-            </a:r>
-          </a:p>
-          <a:p>
-            <a:endParaRPr lang="en-US" dirty="0"/>
+              <a:t>Big step</a:t>
+            </a:r>
+          </a:p>
+          <a:p>
+            <a:r>
+              <a:rPr lang="en-US" dirty="0"/>
+              <a:t>Add a new interface for the member variables</a:t>
+            </a:r>
+          </a:p>
+          <a:p>
+            <a:r>
+              <a:rPr lang="en-US" dirty="0"/>
+              <a:t>Add styles for Fluent</a:t>
+            </a:r>
+          </a:p>
+          <a:p>
+            <a:r>
+              <a:rPr lang="en-US" dirty="0"/>
+              <a:t>Change component definitions to inject interface</a:t>
+            </a:r>
+          </a:p>
+          <a:p>
+            <a:r>
+              <a:rPr lang="en-US" dirty="0" err="1"/>
+              <a:t>componentDidMount</a:t>
+            </a:r>
+            <a:r>
+              <a:rPr lang="en-US" dirty="0"/>
+              <a:t>()</a:t>
+            </a:r>
+          </a:p>
+          <a:p>
+            <a:pPr lvl="1"/>
+            <a:r>
+              <a:rPr lang="en-US" dirty="0"/>
+              <a:t>URL from Azure Functions</a:t>
+            </a:r>
+          </a:p>
+          <a:p>
+            <a:r>
+              <a:rPr lang="en-US" dirty="0"/>
+              <a:t>Render calling </a:t>
+            </a:r>
+            <a:r>
+              <a:rPr lang="en-US" dirty="0" err="1"/>
+              <a:t>RenderBike</a:t>
+            </a:r>
+            <a:r>
+              <a:rPr lang="en-US" dirty="0"/>
+              <a:t> per item in collection</a:t>
+            </a:r>
           </a:p>
         </p:txBody>
       </p:sp>
     </p:spTree>
     <p:extLst>
       <p:ext uri="{BB962C8B-B14F-4D97-AF65-F5344CB8AC3E}">
-        <p14:creationId xmlns:p14="http://schemas.microsoft.com/office/powerpoint/2010/main" val="3450158790"/>
+        <p14:creationId xmlns:p14="http://schemas.microsoft.com/office/powerpoint/2010/main" val="4109046319"/>
       </p:ext>
     </p:extLst>
   </p:cSld>
@@ -9753,6 +9965,190 @@
           <a:p>
             <a:r>
               <a:rPr lang="en-US" dirty="0"/>
+              <a:t>Add edit quantity</a:t>
+            </a:r>
+          </a:p>
+        </p:txBody>
+      </p:sp>
+      <p:sp>
+        <p:nvSpPr>
+          <p:cNvPr id="3" name="Text Placeholder 2">
+            <a:extLst>
+              <a:ext uri="{FF2B5EF4-FFF2-40B4-BE49-F238E27FC236}">
+                <a16:creationId xmlns:a16="http://schemas.microsoft.com/office/drawing/2014/main" id="{3C4B6F7C-3F40-42FB-B792-9810804008A0}"/>
+              </a:ext>
+            </a:extLst>
+          </p:cNvPr>
+          <p:cNvSpPr>
+            <a:spLocks noGrp="1"/>
+          </p:cNvSpPr>
+          <p:nvPr>
+            <p:ph type="body" idx="1"/>
+          </p:nvPr>
+        </p:nvSpPr>
+        <p:spPr/>
+        <p:txBody>
+          <a:bodyPr/>
+          <a:lstStyle/>
+          <a:p>
+            <a:endParaRPr lang="en-US"/>
+          </a:p>
+        </p:txBody>
+      </p:sp>
+    </p:spTree>
+    <p:extLst>
+      <p:ext uri="{BB962C8B-B14F-4D97-AF65-F5344CB8AC3E}">
+        <p14:creationId xmlns:p14="http://schemas.microsoft.com/office/powerpoint/2010/main" val="2511770613"/>
+      </p:ext>
+    </p:extLst>
+  </p:cSld>
+  <p:clrMapOvr>
+    <a:masterClrMapping/>
+  </p:clrMapOvr>
+</p:sld>
+</file>
+
+<file path=ppt/slides/slide44.xml><?xml version="1.0" encoding="utf-8"?>
+<p:sld xmlns:a="http://schemas.openxmlformats.org/drawingml/2006/main" xmlns:r="http://schemas.openxmlformats.org/officeDocument/2006/relationships" xmlns:p="http://schemas.openxmlformats.org/presentationml/2006/main">
+  <p:cSld>
+    <p:spTree>
+      <p:nvGrpSpPr>
+        <p:cNvPr id="1" name=""/>
+        <p:cNvGrpSpPr/>
+        <p:nvPr/>
+      </p:nvGrpSpPr>
+      <p:grpSpPr>
+        <a:xfrm>
+          <a:off x="0" y="0"/>
+          <a:ext cx="0" cy="0"/>
+          <a:chOff x="0" y="0"/>
+          <a:chExt cx="0" cy="0"/>
+        </a:xfrm>
+      </p:grpSpPr>
+      <p:sp>
+        <p:nvSpPr>
+          <p:cNvPr id="2" name="Title 1">
+            <a:extLst>
+              <a:ext uri="{FF2B5EF4-FFF2-40B4-BE49-F238E27FC236}">
+                <a16:creationId xmlns:a16="http://schemas.microsoft.com/office/drawing/2014/main" id="{AEE831BE-B459-46C5-835D-27976477225B}"/>
+              </a:ext>
+            </a:extLst>
+          </p:cNvPr>
+          <p:cNvSpPr>
+            <a:spLocks noGrp="1"/>
+          </p:cNvSpPr>
+          <p:nvPr>
+            <p:ph type="title"/>
+          </p:nvPr>
+        </p:nvSpPr>
+        <p:spPr/>
+        <p:txBody>
+          <a:bodyPr/>
+          <a:lstStyle/>
+          <a:p>
+            <a:r>
+              <a:rPr lang="en-US" dirty="0"/>
+              <a:t>Lessons learned</a:t>
+            </a:r>
+          </a:p>
+        </p:txBody>
+      </p:sp>
+      <p:sp>
+        <p:nvSpPr>
+          <p:cNvPr id="3" name="Content Placeholder 2">
+            <a:extLst>
+              <a:ext uri="{FF2B5EF4-FFF2-40B4-BE49-F238E27FC236}">
+                <a16:creationId xmlns:a16="http://schemas.microsoft.com/office/drawing/2014/main" id="{6F0669C6-8AD6-43FF-8CE2-9D42DEB7B508}"/>
+              </a:ext>
+            </a:extLst>
+          </p:cNvPr>
+          <p:cNvSpPr>
+            <a:spLocks noGrp="1"/>
+          </p:cNvSpPr>
+          <p:nvPr>
+            <p:ph idx="1"/>
+          </p:nvPr>
+        </p:nvSpPr>
+        <p:spPr/>
+        <p:txBody>
+          <a:bodyPr/>
+          <a:lstStyle/>
+          <a:p>
+            <a:r>
+              <a:rPr lang="en-US" dirty="0"/>
+              <a:t>Add items to the interface</a:t>
+            </a:r>
+          </a:p>
+          <a:p>
+            <a:r>
+              <a:rPr lang="en-US" dirty="0"/>
+              <a:t>Add a bit more styling</a:t>
+            </a:r>
+          </a:p>
+          <a:p>
+            <a:r>
+              <a:rPr lang="en-US" dirty="0"/>
+              <a:t>In this, you have a Fluent panel that opens where you can change the quantity. </a:t>
+            </a:r>
+          </a:p>
+          <a:p>
+            <a:endParaRPr lang="en-US" dirty="0"/>
+          </a:p>
+        </p:txBody>
+      </p:sp>
+    </p:spTree>
+    <p:extLst>
+      <p:ext uri="{BB962C8B-B14F-4D97-AF65-F5344CB8AC3E}">
+        <p14:creationId xmlns:p14="http://schemas.microsoft.com/office/powerpoint/2010/main" val="3450158790"/>
+      </p:ext>
+    </p:extLst>
+  </p:cSld>
+  <p:clrMapOvr>
+    <a:masterClrMapping/>
+  </p:clrMapOvr>
+</p:sld>
+</file>
+
+<file path=ppt/slides/slide45.xml><?xml version="1.0" encoding="utf-8"?>
+<p:sld xmlns:a="http://schemas.openxmlformats.org/drawingml/2006/main" xmlns:r="http://schemas.openxmlformats.org/officeDocument/2006/relationships" xmlns:p="http://schemas.openxmlformats.org/presentationml/2006/main">
+  <p:cSld>
+    <p:spTree>
+      <p:nvGrpSpPr>
+        <p:cNvPr id="1" name=""/>
+        <p:cNvGrpSpPr/>
+        <p:nvPr/>
+      </p:nvGrpSpPr>
+      <p:grpSpPr>
+        <a:xfrm>
+          <a:off x="0" y="0"/>
+          <a:ext cx="0" cy="0"/>
+          <a:chOff x="0" y="0"/>
+          <a:chExt cx="0" cy="0"/>
+        </a:xfrm>
+      </p:grpSpPr>
+      <p:sp>
+        <p:nvSpPr>
+          <p:cNvPr id="2" name="Title 1">
+            <a:extLst>
+              <a:ext uri="{FF2B5EF4-FFF2-40B4-BE49-F238E27FC236}">
+                <a16:creationId xmlns:a16="http://schemas.microsoft.com/office/drawing/2014/main" id="{6E6EEEC5-2095-4DAF-B337-23DF8E0570A4}"/>
+              </a:ext>
+            </a:extLst>
+          </p:cNvPr>
+          <p:cNvSpPr>
+            <a:spLocks noGrp="1"/>
+          </p:cNvSpPr>
+          <p:nvPr>
+            <p:ph type="title"/>
+          </p:nvPr>
+        </p:nvSpPr>
+        <p:spPr/>
+        <p:txBody>
+          <a:bodyPr/>
+          <a:lstStyle/>
+          <a:p>
+            <a:r>
+              <a:rPr lang="en-US" dirty="0"/>
               <a:t>Add “Add”</a:t>
             </a:r>
           </a:p>
@@ -9796,7 +10192,7 @@
 </p:sld>
 </file>
 
-<file path=ppt/slides/slide44.xml><?xml version="1.0" encoding="utf-8"?>
+<file path=ppt/slides/slide46.xml><?xml version="1.0" encoding="utf-8"?>
 <p:sld xmlns:a="http://schemas.openxmlformats.org/drawingml/2006/main" xmlns:r="http://schemas.openxmlformats.org/officeDocument/2006/relationships" xmlns:p="http://schemas.openxmlformats.org/presentationml/2006/main">
   <p:cSld>
     <p:spTree>

--- a/Creating a serverless cloud native app on Azure.pptx
+++ b/Creating a serverless cloud native app on Azure.pptx
@@ -938,7 +938,7 @@
           <a:p>
             <a:fld id="{974578CF-BAD5-493D-8CBE-FD3D274ABCE7}" type="datetimeFigureOut">
               <a:rPr lang="en-US" smtClean="0"/>
-              <a:t>10/14/2020</a:t>
+              <a:t>10/15/2020</a:t>
             </a:fld>
             <a:endParaRPr lang="en-US"/>
           </a:p>
@@ -3443,7 +3443,7 @@
           <a:p>
             <a:fld id="{3A676C88-1C67-4A7A-A1A3-A796592AD6F9}" type="datetimeFigureOut">
               <a:rPr lang="en-US" smtClean="0"/>
-              <a:t>10/14/2020</a:t>
+              <a:t>10/15/2020</a:t>
             </a:fld>
             <a:endParaRPr lang="en-US"/>
           </a:p>
@@ -3641,7 +3641,7 @@
           <a:p>
             <a:fld id="{3A676C88-1C67-4A7A-A1A3-A796592AD6F9}" type="datetimeFigureOut">
               <a:rPr lang="en-US" smtClean="0"/>
-              <a:t>10/14/2020</a:t>
+              <a:t>10/15/2020</a:t>
             </a:fld>
             <a:endParaRPr lang="en-US"/>
           </a:p>
@@ -3849,7 +3849,7 @@
           <a:p>
             <a:fld id="{3A676C88-1C67-4A7A-A1A3-A796592AD6F9}" type="datetimeFigureOut">
               <a:rPr lang="en-US" smtClean="0"/>
-              <a:t>10/14/2020</a:t>
+              <a:t>10/15/2020</a:t>
             </a:fld>
             <a:endParaRPr lang="en-US"/>
           </a:p>
@@ -4047,7 +4047,7 @@
           <a:p>
             <a:fld id="{3A676C88-1C67-4A7A-A1A3-A796592AD6F9}" type="datetimeFigureOut">
               <a:rPr lang="en-US" smtClean="0"/>
-              <a:t>10/14/2020</a:t>
+              <a:t>10/15/2020</a:t>
             </a:fld>
             <a:endParaRPr lang="en-US"/>
           </a:p>
@@ -4322,7 +4322,7 @@
           <a:p>
             <a:fld id="{3A676C88-1C67-4A7A-A1A3-A796592AD6F9}" type="datetimeFigureOut">
               <a:rPr lang="en-US" smtClean="0"/>
-              <a:t>10/14/2020</a:t>
+              <a:t>10/15/2020</a:t>
             </a:fld>
             <a:endParaRPr lang="en-US"/>
           </a:p>
@@ -4587,7 +4587,7 @@
           <a:p>
             <a:fld id="{3A676C88-1C67-4A7A-A1A3-A796592AD6F9}" type="datetimeFigureOut">
               <a:rPr lang="en-US" smtClean="0"/>
-              <a:t>10/14/2020</a:t>
+              <a:t>10/15/2020</a:t>
             </a:fld>
             <a:endParaRPr lang="en-US"/>
           </a:p>
@@ -4999,7 +4999,7 @@
           <a:p>
             <a:fld id="{3A676C88-1C67-4A7A-A1A3-A796592AD6F9}" type="datetimeFigureOut">
               <a:rPr lang="en-US" smtClean="0"/>
-              <a:t>10/14/2020</a:t>
+              <a:t>10/15/2020</a:t>
             </a:fld>
             <a:endParaRPr lang="en-US"/>
           </a:p>
@@ -5140,7 +5140,7 @@
           <a:p>
             <a:fld id="{3A676C88-1C67-4A7A-A1A3-A796592AD6F9}" type="datetimeFigureOut">
               <a:rPr lang="en-US" smtClean="0"/>
-              <a:t>10/14/2020</a:t>
+              <a:t>10/15/2020</a:t>
             </a:fld>
             <a:endParaRPr lang="en-US"/>
           </a:p>
@@ -5253,7 +5253,7 @@
           <a:p>
             <a:fld id="{3A676C88-1C67-4A7A-A1A3-A796592AD6F9}" type="datetimeFigureOut">
               <a:rPr lang="en-US" smtClean="0"/>
-              <a:t>10/14/2020</a:t>
+              <a:t>10/15/2020</a:t>
             </a:fld>
             <a:endParaRPr lang="en-US"/>
           </a:p>
@@ -5564,7 +5564,7 @@
           <a:p>
             <a:fld id="{3A676C88-1C67-4A7A-A1A3-A796592AD6F9}" type="datetimeFigureOut">
               <a:rPr lang="en-US" smtClean="0"/>
-              <a:t>10/14/2020</a:t>
+              <a:t>10/15/2020</a:t>
             </a:fld>
             <a:endParaRPr lang="en-US"/>
           </a:p>
@@ -5852,7 +5852,7 @@
           <a:p>
             <a:fld id="{3A676C88-1C67-4A7A-A1A3-A796592AD6F9}" type="datetimeFigureOut">
               <a:rPr lang="en-US" smtClean="0"/>
-              <a:t>10/14/2020</a:t>
+              <a:t>10/15/2020</a:t>
             </a:fld>
             <a:endParaRPr lang="en-US"/>
           </a:p>
@@ -6093,7 +6093,7 @@
           <a:p>
             <a:fld id="{3A676C88-1C67-4A7A-A1A3-A796592AD6F9}" type="datetimeFigureOut">
               <a:rPr lang="en-US" smtClean="0"/>
-              <a:t>10/14/2020</a:t>
+              <a:t>10/15/2020</a:t>
             </a:fld>
             <a:endParaRPr lang="en-US"/>
           </a:p>
